--- a/ClassMaterials/Comparators/Slides/ComparableComparator.pptx
+++ b/ClassMaterials/Comparators/Slides/ComparableComparator.pptx
@@ -283,7 +283,7 @@
               <a:pPr>
                 <a:defRPr/>
               </a:pPr>
-              <a:t>2/13/18</a:t>
+              <a:t>5/9/2020</a:t>
             </a:fld>
             <a:endParaRPr lang="en-US"/>
           </a:p>
@@ -518,7 +518,7 @@
               <a:pPr>
                 <a:defRPr/>
               </a:pPr>
-              <a:t>2/13/18</a:t>
+              <a:t>5/9/2020</a:t>
             </a:fld>
             <a:endParaRPr lang="en-US"/>
           </a:p>
@@ -1679,7 +1679,7 @@
               <a:pPr>
                 <a:defRPr/>
               </a:pPr>
-              <a:t>Tuesday, February 13, 2018</a:t>
+              <a:t>Saturday, May 9, 2020</a:t>
             </a:fld>
             <a:endParaRPr lang="en-US" dirty="0"/>
           </a:p>
@@ -1864,7 +1864,7 @@
               <a:pPr>
                 <a:defRPr/>
               </a:pPr>
-              <a:t>Tuesday, February 13, 2018</a:t>
+              <a:t>Saturday, May 9, 2020</a:t>
             </a:fld>
             <a:endParaRPr lang="en-US" dirty="0"/>
           </a:p>
@@ -2059,7 +2059,7 @@
               <a:pPr>
                 <a:defRPr/>
               </a:pPr>
-              <a:t>Tuesday, February 13, 2018</a:t>
+              <a:t>Saturday, May 9, 2020</a:t>
             </a:fld>
             <a:endParaRPr lang="en-US" dirty="0"/>
           </a:p>
@@ -2244,7 +2244,7 @@
               <a:pPr>
                 <a:defRPr/>
               </a:pPr>
-              <a:t>Tuesday, February 13, 2018</a:t>
+              <a:t>Saturday, May 9, 2020</a:t>
             </a:fld>
             <a:endParaRPr lang="en-US" dirty="0"/>
           </a:p>
@@ -2505,7 +2505,7 @@
               <a:pPr>
                 <a:defRPr/>
               </a:pPr>
-              <a:t>Tuesday, February 13, 2018</a:t>
+              <a:t>Saturday, May 9, 2020</a:t>
             </a:fld>
             <a:endParaRPr lang="en-US"/>
           </a:p>
@@ -2808,7 +2808,7 @@
               <a:pPr>
                 <a:defRPr/>
               </a:pPr>
-              <a:t>Tuesday, February 13, 2018</a:t>
+              <a:t>Saturday, May 9, 2020</a:t>
             </a:fld>
             <a:endParaRPr lang="en-US"/>
           </a:p>
@@ -3245,7 +3245,7 @@
               <a:pPr>
                 <a:defRPr/>
               </a:pPr>
-              <a:t>Tuesday, February 13, 2018</a:t>
+              <a:t>Saturday, May 9, 2020</a:t>
             </a:fld>
             <a:endParaRPr lang="en-US"/>
           </a:p>
@@ -3378,7 +3378,7 @@
               <a:pPr>
                 <a:defRPr/>
               </a:pPr>
-              <a:t>Tuesday, February 13, 2018</a:t>
+              <a:t>Saturday, May 9, 2020</a:t>
             </a:fld>
             <a:endParaRPr lang="en-US"/>
           </a:p>
@@ -3488,7 +3488,7 @@
               <a:pPr>
                 <a:defRPr/>
               </a:pPr>
-              <a:t>Tuesday, February 13, 2018</a:t>
+              <a:t>Saturday, May 9, 2020</a:t>
             </a:fld>
             <a:endParaRPr lang="en-US" dirty="0"/>
           </a:p>
@@ -3780,7 +3780,7 @@
               <a:pPr>
                 <a:defRPr/>
               </a:pPr>
-              <a:t>Tuesday, February 13, 2018</a:t>
+              <a:t>Saturday, May 9, 2020</a:t>
             </a:fld>
             <a:endParaRPr lang="en-US"/>
           </a:p>
@@ -4048,7 +4048,7 @@
               <a:pPr>
                 <a:defRPr/>
               </a:pPr>
-              <a:t>Tuesday, February 13, 2018</a:t>
+              <a:t>Saturday, May 9, 2020</a:t>
             </a:fld>
             <a:endParaRPr lang="en-US"/>
           </a:p>
@@ -4276,7 +4276,7 @@
               <a:pPr>
                 <a:defRPr/>
               </a:pPr>
-              <a:t>Tuesday, February 13, 2018</a:t>
+              <a:t>Saturday, May 9, 2020</a:t>
             </a:fld>
             <a:endParaRPr lang="en-US" dirty="0"/>
           </a:p>
@@ -4782,8 +4782,13 @@
             </a:r>
             <a:r>
               <a:rPr lang="en-US" dirty="0"/>
-              <a:t>from SVN</a:t>
-            </a:r>
+              <a:t>from </a:t>
+            </a:r>
+            <a:r>
+              <a:rPr lang="en-US" dirty="0" err="1" smtClean="0"/>
+              <a:t>git</a:t>
+            </a:r>
+            <a:endParaRPr lang="en-US" dirty="0"/>
           </a:p>
         </p:txBody>
       </p:sp>
@@ -5314,11 +5319,7 @@
             </a:r>
             <a:r>
               <a:rPr lang="en-US" b="1" dirty="0" smtClean="0"/>
-              <a:t>&lt; </a:t>
-            </a:r>
-            <a:r>
-              <a:rPr lang="en-US" b="1" dirty="0" smtClean="0"/>
-              <a:t>b</a:t>
+              <a:t>&lt; b</a:t>
             </a:r>
           </a:p>
           <a:p>

--- a/ClassMaterials/Comparators/Slides/ComparableComparator.pptx
+++ b/ClassMaterials/Comparators/Slides/ComparableComparator.pptx
@@ -283,7 +283,7 @@
               <a:pPr>
                 <a:defRPr/>
               </a:pPr>
-              <a:t>5/9/2020</a:t>
+              <a:t>2/24/22</a:t>
             </a:fld>
             <a:endParaRPr lang="en-US"/>
           </a:p>
@@ -518,7 +518,7 @@
               <a:pPr>
                 <a:defRPr/>
               </a:pPr>
-              <a:t>5/9/2020</a:t>
+              <a:t>2/24/22</a:t>
             </a:fld>
             <a:endParaRPr lang="en-US"/>
           </a:p>
@@ -594,39 +594,37 @@
           <a:p>
             <a:pPr lvl="0"/>
             <a:r>
-              <a:rPr lang="en-US" noProof="0" smtClean="0"/>
+              <a:rPr lang="en-US" noProof="0"/>
               <a:t>Click to edit Master text styles</a:t>
             </a:r>
-            <a:endParaRPr lang="en-US" noProof="0"/>
           </a:p>
           <a:p>
             <a:pPr lvl="1"/>
             <a:r>
-              <a:rPr lang="en-US" noProof="0" smtClean="0"/>
+              <a:rPr lang="en-US" noProof="0"/>
               <a:t>Second level</a:t>
             </a:r>
           </a:p>
           <a:p>
             <a:pPr lvl="2"/>
             <a:r>
-              <a:rPr lang="en-US" noProof="0" smtClean="0"/>
+              <a:rPr lang="en-US" noProof="0"/>
               <a:t>Third level</a:t>
             </a:r>
           </a:p>
           <a:p>
             <a:pPr lvl="3"/>
             <a:r>
-              <a:rPr lang="en-US" noProof="0" smtClean="0"/>
+              <a:rPr lang="en-US" noProof="0"/>
               <a:t>Fourth level</a:t>
             </a:r>
           </a:p>
           <a:p>
             <a:pPr lvl="4"/>
             <a:r>
-              <a:rPr lang="en-US" noProof="0" smtClean="0"/>
+              <a:rPr lang="en-US" noProof="0"/>
               <a:t>Fifth level</a:t>
             </a:r>
-            <a:endParaRPr lang="en-US" noProof="0"/>
           </a:p>
         </p:txBody>
       </p:sp>
@@ -927,7 +925,7 @@
               </a:spcBef>
             </a:pPr>
             <a:r>
-              <a:rPr lang="en-US" dirty="0" smtClean="0"/>
+              <a:rPr lang="en-US" dirty="0"/>
               <a:t>No quiz today.</a:t>
             </a:r>
           </a:p>
@@ -937,7 +935,7 @@
                 <a:spcPct val="0"/>
               </a:spcBef>
             </a:pPr>
-            <a:endParaRPr lang="en-US" dirty="0" smtClean="0"/>
+            <a:endParaRPr lang="en-US" dirty="0"/>
           </a:p>
           <a:p>
             <a:pPr eaLnBrk="1" hangingPunct="1">
@@ -946,22 +944,22 @@
               </a:spcBef>
             </a:pPr>
             <a:r>
-              <a:rPr lang="en-US" dirty="0" smtClean="0"/>
+              <a:rPr lang="en-US" dirty="0"/>
               <a:t>Bring printouts</a:t>
             </a:r>
             <a:r>
-              <a:rPr lang="en-US" baseline="0" dirty="0" smtClean="0"/>
+              <a:rPr lang="en-US" baseline="0" dirty="0"/>
               <a:t> from the </a:t>
             </a:r>
             <a:r>
-              <a:rPr lang="en-US" baseline="0" dirty="0" err="1" smtClean="0"/>
+              <a:rPr lang="en-US" baseline="0" dirty="0" err="1"/>
               <a:t>MergeSortSimpleSolution</a:t>
             </a:r>
             <a:r>
-              <a:rPr lang="en-US" baseline="0" dirty="0" smtClean="0"/>
+              <a:rPr lang="en-US" baseline="0" dirty="0"/>
               <a:t>.</a:t>
             </a:r>
-            <a:endParaRPr lang="en-US" dirty="0" smtClean="0"/>
+            <a:endParaRPr lang="en-US" dirty="0"/>
           </a:p>
         </p:txBody>
       </p:sp>
@@ -987,7 +985,7 @@
               <a:pPr/>
               <a:t>1</a:t>
             </a:fld>
-            <a:endParaRPr lang="en-US" smtClean="0"/>
+            <a:endParaRPr lang="en-US"/>
           </a:p>
         </p:txBody>
       </p:sp>
@@ -1049,47 +1047,46 @@
           <a:lstStyle/>
           <a:p>
             <a:r>
-              <a:rPr lang="en-US" dirty="0" smtClean="0"/>
+              <a:rPr lang="en-US" dirty="0"/>
               <a:t>Work on</a:t>
             </a:r>
             <a:r>
-              <a:rPr lang="en-US" baseline="0" dirty="0" smtClean="0"/>
+              <a:rPr lang="en-US" baseline="0" dirty="0"/>
               <a:t> </a:t>
             </a:r>
             <a:r>
-              <a:rPr lang="en-US" baseline="0" dirty="0" err="1" smtClean="0"/>
+              <a:rPr lang="en-US" baseline="0" dirty="0" err="1"/>
               <a:t>comparable</a:t>
             </a:r>
             <a:r>
-              <a:rPr lang="en-US" dirty="0" err="1" smtClean="0"/>
+              <a:rPr lang="en-US" dirty="0" err="1"/>
               <a:t>.Rectangle</a:t>
             </a:r>
             <a:r>
-              <a:rPr lang="en-US" dirty="0" smtClean="0"/>
+              <a:rPr lang="en-US" dirty="0"/>
               <a:t> example with class.</a:t>
             </a:r>
           </a:p>
           <a:p>
-            <a:endParaRPr lang="en-US" baseline="0" dirty="0" smtClean="0"/>
-          </a:p>
-          <a:p>
-            <a:r>
-              <a:rPr lang="en-US" baseline="0" dirty="0" smtClean="0"/>
+            <a:endParaRPr lang="en-US" baseline="0" dirty="0"/>
+          </a:p>
+          <a:p>
+            <a:r>
+              <a:rPr lang="en-US" baseline="0" dirty="0"/>
               <a:t>Have students complete </a:t>
             </a:r>
             <a:r>
-              <a:rPr lang="en-US" baseline="0" dirty="0" err="1" smtClean="0"/>
+              <a:rPr lang="en-US" baseline="0" dirty="0" err="1"/>
               <a:t>comparable.Person</a:t>
             </a:r>
             <a:r>
-              <a:rPr lang="en-US" baseline="0" dirty="0" smtClean="0"/>
+              <a:rPr lang="en-US" baseline="0" dirty="0"/>
               <a:t> </a:t>
             </a:r>
             <a:r>
-              <a:rPr lang="en-US" dirty="0" smtClean="0"/>
+              <a:rPr lang="en-US" dirty="0"/>
               <a:t> </a:t>
             </a:r>
-            <a:endParaRPr lang="en-US" dirty="0"/>
           </a:p>
         </p:txBody>
       </p:sp>
@@ -1193,23 +1190,23 @@
           <a:lstStyle/>
           <a:p>
             <a:r>
-              <a:rPr lang="en-US" dirty="0" smtClean="0"/>
+              <a:rPr lang="en-US" dirty="0"/>
               <a:t>The behavior of </a:t>
             </a:r>
             <a:r>
-              <a:rPr lang="en-US" dirty="0" err="1" smtClean="0"/>
+              <a:rPr lang="en-US" dirty="0" err="1"/>
               <a:t>compareTo</a:t>
             </a:r>
             <a:r>
-              <a:rPr lang="en-US" dirty="0" smtClean="0"/>
+              <a:rPr lang="en-US" dirty="0"/>
               <a:t>() is described</a:t>
             </a:r>
             <a:r>
-              <a:rPr lang="en-US" baseline="0" dirty="0" smtClean="0"/>
+              <a:rPr lang="en-US" baseline="0" dirty="0"/>
               <a:t> in the Comparable interface.</a:t>
             </a:r>
             <a:r>
-              <a:rPr lang="en-US" dirty="0" smtClean="0"/>
+              <a:rPr lang="en-US" dirty="0"/>
               <a:t> </a:t>
             </a:r>
           </a:p>
@@ -1273,15 +1270,15 @@
           <a:lstStyle/>
           <a:p>
             <a:r>
-              <a:rPr lang="en-US" baseline="0" dirty="0" smtClean="0"/>
+              <a:rPr lang="en-US" baseline="0" dirty="0"/>
               <a:t>Might want to ask them  to identify the sort. (</a:t>
             </a:r>
             <a:r>
-              <a:rPr lang="en-US" dirty="0" smtClean="0"/>
+              <a:rPr lang="en-US" dirty="0"/>
               <a:t>This is selection</a:t>
             </a:r>
             <a:r>
-              <a:rPr lang="en-US" baseline="0" dirty="0" smtClean="0"/>
+              <a:rPr lang="en-US" baseline="0" dirty="0"/>
               <a:t> sort.)</a:t>
             </a:r>
             <a:endParaRPr lang="en-US" dirty="0"/>
@@ -1392,19 +1389,19 @@
               <a:buChar char="-"/>
             </a:pPr>
             <a:r>
-              <a:rPr lang="en-US" dirty="0" smtClean="0"/>
+              <a:rPr lang="en-US" dirty="0"/>
               <a:t>See </a:t>
             </a:r>
             <a:r>
-              <a:rPr lang="en-US" dirty="0" err="1" smtClean="0"/>
+              <a:rPr lang="en-US" dirty="0" err="1"/>
               <a:t>function.FunctionObjects</a:t>
             </a:r>
             <a:r>
-              <a:rPr lang="en-US" dirty="0" smtClean="0"/>
+              <a:rPr lang="en-US" dirty="0"/>
               <a:t> example, look at docs for Comparator.  Implement one</a:t>
             </a:r>
             <a:r>
-              <a:rPr lang="en-US" baseline="0" dirty="0" smtClean="0"/>
+              <a:rPr lang="en-US" baseline="0" dirty="0"/>
               <a:t> or two together, then have them work on the rest for awhile.</a:t>
             </a:r>
           </a:p>
@@ -1413,7 +1410,7 @@
               <a:buFontTx/>
               <a:buChar char="-"/>
             </a:pPr>
-            <a:endParaRPr lang="en-US" baseline="0" dirty="0" smtClean="0"/>
+            <a:endParaRPr lang="en-US" baseline="0" dirty="0"/>
           </a:p>
           <a:p>
             <a:pPr marL="171450" indent="-171450">
@@ -1421,15 +1418,15 @@
               <a:buChar char="-"/>
             </a:pPr>
             <a:r>
-              <a:rPr lang="en-US" baseline="0" dirty="0" smtClean="0"/>
+              <a:rPr lang="en-US" baseline="0" dirty="0"/>
               <a:t>Comparator is also an interface, like Comparable.  Comparator declares the compare() function while Comparable declares the </a:t>
             </a:r>
             <a:r>
-              <a:rPr lang="en-US" baseline="0" dirty="0" err="1" smtClean="0"/>
+              <a:rPr lang="en-US" baseline="0" dirty="0" err="1"/>
               <a:t>compareTo</a:t>
             </a:r>
             <a:r>
-              <a:rPr lang="en-US" baseline="0" dirty="0" smtClean="0"/>
+              <a:rPr lang="en-US" baseline="0" dirty="0"/>
               <a:t>() function.</a:t>
             </a:r>
           </a:p>
@@ -1438,7 +1435,7 @@
               <a:buFontTx/>
               <a:buChar char="-"/>
             </a:pPr>
-            <a:endParaRPr lang="en-US" baseline="0" dirty="0" smtClean="0"/>
+            <a:endParaRPr lang="en-US" baseline="0" dirty="0"/>
           </a:p>
           <a:p>
             <a:pPr marL="171450" indent="-171450">
@@ -1446,10 +1443,10 @@
               <a:buChar char="-"/>
             </a:pPr>
             <a:r>
-              <a:rPr lang="en-US" baseline="0" dirty="0" smtClean="0"/>
+              <a:rPr lang="en-US" baseline="0" dirty="0"/>
               <a:t>Comparators are primarily used for collection objects to tell them how to order their elements.</a:t>
             </a:r>
-            <a:endParaRPr lang="en-US" dirty="0" smtClean="0"/>
+            <a:endParaRPr lang="en-US" dirty="0"/>
           </a:p>
         </p:txBody>
       </p:sp>
@@ -1475,7 +1472,7 @@
               <a:pPr/>
               <a:t>7</a:t>
             </a:fld>
-            <a:endParaRPr lang="en-US" smtClean="0"/>
+            <a:endParaRPr lang="en-US"/>
           </a:p>
         </p:txBody>
       </p:sp>
@@ -1530,10 +1527,9 @@
           <a:lstStyle/>
           <a:p>
             <a:r>
-              <a:rPr lang="en-US" smtClean="0"/>
+              <a:rPr lang="en-US"/>
               <a:t>Click to edit Master title style</a:t>
             </a:r>
-            <a:endParaRPr lang="en-US"/>
           </a:p>
         </p:txBody>
       </p:sp>
@@ -1649,10 +1645,9 @@
           </a:lstStyle>
           <a:p>
             <a:r>
-              <a:rPr lang="en-US" smtClean="0"/>
+              <a:rPr lang="en-US"/>
               <a:t>Click to edit Master subtitle style</a:t>
             </a:r>
-            <a:endParaRPr lang="en-US"/>
           </a:p>
         </p:txBody>
       </p:sp>
@@ -1679,7 +1674,7 @@
               <a:pPr>
                 <a:defRPr/>
               </a:pPr>
-              <a:t>Saturday, May 9, 2020</a:t>
+              <a:t>Thursday, February 24, 2022</a:t>
             </a:fld>
             <a:endParaRPr lang="en-US" dirty="0"/>
           </a:p>
@@ -1782,10 +1777,9 @@
           <a:lstStyle/>
           <a:p>
             <a:r>
-              <a:rPr lang="en-US" smtClean="0"/>
+              <a:rPr lang="en-US"/>
               <a:t>Click to edit Master title style</a:t>
             </a:r>
-            <a:endParaRPr lang="en-US"/>
           </a:p>
         </p:txBody>
       </p:sp>
@@ -1806,38 +1800,37 @@
           <a:p>
             <a:pPr lvl="0"/>
             <a:r>
-              <a:rPr lang="en-US" smtClean="0"/>
+              <a:rPr lang="en-US"/>
               <a:t>Click to edit Master text styles</a:t>
             </a:r>
           </a:p>
           <a:p>
             <a:pPr lvl="1"/>
             <a:r>
-              <a:rPr lang="en-US" smtClean="0"/>
+              <a:rPr lang="en-US"/>
               <a:t>Second level</a:t>
             </a:r>
           </a:p>
           <a:p>
             <a:pPr lvl="2"/>
             <a:r>
-              <a:rPr lang="en-US" smtClean="0"/>
+              <a:rPr lang="en-US"/>
               <a:t>Third level</a:t>
             </a:r>
           </a:p>
           <a:p>
             <a:pPr lvl="3"/>
             <a:r>
-              <a:rPr lang="en-US" smtClean="0"/>
+              <a:rPr lang="en-US"/>
               <a:t>Fourth level</a:t>
             </a:r>
           </a:p>
           <a:p>
             <a:pPr lvl="4"/>
             <a:r>
-              <a:rPr lang="en-US" smtClean="0"/>
+              <a:rPr lang="en-US"/>
               <a:t>Fifth level</a:t>
             </a:r>
-            <a:endParaRPr lang="en-US"/>
           </a:p>
         </p:txBody>
       </p:sp>
@@ -1864,7 +1857,7 @@
               <a:pPr>
                 <a:defRPr/>
               </a:pPr>
-              <a:t>Saturday, May 9, 2020</a:t>
+              <a:t>Thursday, February 24, 2022</a:t>
             </a:fld>
             <a:endParaRPr lang="en-US" dirty="0"/>
           </a:p>
@@ -1972,10 +1965,9 @@
           <a:lstStyle/>
           <a:p>
             <a:r>
-              <a:rPr lang="en-US" smtClean="0"/>
+              <a:rPr lang="en-US"/>
               <a:t>Click to edit Master title style</a:t>
             </a:r>
-            <a:endParaRPr lang="en-US"/>
           </a:p>
         </p:txBody>
       </p:sp>
@@ -2001,38 +1993,37 @@
           <a:p>
             <a:pPr lvl="0"/>
             <a:r>
-              <a:rPr lang="en-US" smtClean="0"/>
+              <a:rPr lang="en-US"/>
               <a:t>Click to edit Master text styles</a:t>
             </a:r>
           </a:p>
           <a:p>
             <a:pPr lvl="1"/>
             <a:r>
-              <a:rPr lang="en-US" smtClean="0"/>
+              <a:rPr lang="en-US"/>
               <a:t>Second level</a:t>
             </a:r>
           </a:p>
           <a:p>
             <a:pPr lvl="2"/>
             <a:r>
-              <a:rPr lang="en-US" smtClean="0"/>
+              <a:rPr lang="en-US"/>
               <a:t>Third level</a:t>
             </a:r>
           </a:p>
           <a:p>
             <a:pPr lvl="3"/>
             <a:r>
-              <a:rPr lang="en-US" smtClean="0"/>
+              <a:rPr lang="en-US"/>
               <a:t>Fourth level</a:t>
             </a:r>
           </a:p>
           <a:p>
             <a:pPr lvl="4"/>
             <a:r>
-              <a:rPr lang="en-US" smtClean="0"/>
+              <a:rPr lang="en-US"/>
               <a:t>Fifth level</a:t>
             </a:r>
-            <a:endParaRPr lang="en-US"/>
           </a:p>
         </p:txBody>
       </p:sp>
@@ -2059,7 +2050,7 @@
               <a:pPr>
                 <a:defRPr/>
               </a:pPr>
-              <a:t>Saturday, May 9, 2020</a:t>
+              <a:t>Thursday, February 24, 2022</a:t>
             </a:fld>
             <a:endParaRPr lang="en-US" dirty="0"/>
           </a:p>
@@ -2162,10 +2153,9 @@
           <a:lstStyle/>
           <a:p>
             <a:r>
-              <a:rPr lang="en-US" smtClean="0"/>
+              <a:rPr lang="en-US"/>
               <a:t>Click to edit Master title style</a:t>
             </a:r>
-            <a:endParaRPr lang="en-US"/>
           </a:p>
         </p:txBody>
       </p:sp>
@@ -2186,38 +2176,37 @@
           <a:p>
             <a:pPr lvl="0"/>
             <a:r>
-              <a:rPr lang="en-US" smtClean="0"/>
+              <a:rPr lang="en-US"/>
               <a:t>Click to edit Master text styles</a:t>
             </a:r>
           </a:p>
           <a:p>
             <a:pPr lvl="1"/>
             <a:r>
-              <a:rPr lang="en-US" smtClean="0"/>
+              <a:rPr lang="en-US"/>
               <a:t>Second level</a:t>
             </a:r>
           </a:p>
           <a:p>
             <a:pPr lvl="2"/>
             <a:r>
-              <a:rPr lang="en-US" smtClean="0"/>
+              <a:rPr lang="en-US"/>
               <a:t>Third level</a:t>
             </a:r>
           </a:p>
           <a:p>
             <a:pPr lvl="3"/>
             <a:r>
-              <a:rPr lang="en-US" smtClean="0"/>
+              <a:rPr lang="en-US"/>
               <a:t>Fourth level</a:t>
             </a:r>
           </a:p>
           <a:p>
             <a:pPr lvl="4"/>
             <a:r>
-              <a:rPr lang="en-US" smtClean="0"/>
+              <a:rPr lang="en-US"/>
               <a:t>Fifth level</a:t>
             </a:r>
-            <a:endParaRPr lang="en-US"/>
           </a:p>
         </p:txBody>
       </p:sp>
@@ -2244,7 +2233,7 @@
               <a:pPr>
                 <a:defRPr/>
               </a:pPr>
-              <a:t>Saturday, May 9, 2020</a:t>
+              <a:t>Thursday, February 24, 2022</a:t>
             </a:fld>
             <a:endParaRPr lang="en-US" dirty="0"/>
           </a:p>
@@ -2356,10 +2345,9 @@
           </a:lstStyle>
           <a:p>
             <a:r>
-              <a:rPr lang="en-US" smtClean="0"/>
+              <a:rPr lang="en-US"/>
               <a:t>Click to edit Master title style</a:t>
             </a:r>
-            <a:endParaRPr lang="en-US"/>
           </a:p>
         </p:txBody>
       </p:sp>
@@ -2476,7 +2464,7 @@
           <a:p>
             <a:pPr lvl="0"/>
             <a:r>
-              <a:rPr lang="en-US" smtClean="0"/>
+              <a:rPr lang="en-US"/>
               <a:t>Click to edit Master text styles</a:t>
             </a:r>
           </a:p>
@@ -2505,7 +2493,7 @@
               <a:pPr>
                 <a:defRPr/>
               </a:pPr>
-              <a:t>Saturday, May 9, 2020</a:t>
+              <a:t>Thursday, February 24, 2022</a:t>
             </a:fld>
             <a:endParaRPr lang="en-US"/>
           </a:p>
@@ -2608,10 +2596,9 @@
           <a:lstStyle/>
           <a:p>
             <a:r>
-              <a:rPr lang="en-US" smtClean="0"/>
+              <a:rPr lang="en-US"/>
               <a:t>Click to edit Master title style</a:t>
             </a:r>
-            <a:endParaRPr lang="en-US"/>
           </a:p>
         </p:txBody>
       </p:sp>
@@ -2665,38 +2652,37 @@
           <a:p>
             <a:pPr lvl="0"/>
             <a:r>
-              <a:rPr lang="en-US" smtClean="0"/>
+              <a:rPr lang="en-US"/>
               <a:t>Click to edit Master text styles</a:t>
             </a:r>
           </a:p>
           <a:p>
             <a:pPr lvl="1"/>
             <a:r>
-              <a:rPr lang="en-US" smtClean="0"/>
+              <a:rPr lang="en-US"/>
               <a:t>Second level</a:t>
             </a:r>
           </a:p>
           <a:p>
             <a:pPr lvl="2"/>
             <a:r>
-              <a:rPr lang="en-US" smtClean="0"/>
+              <a:rPr lang="en-US"/>
               <a:t>Third level</a:t>
             </a:r>
           </a:p>
           <a:p>
             <a:pPr lvl="3"/>
             <a:r>
-              <a:rPr lang="en-US" smtClean="0"/>
+              <a:rPr lang="en-US"/>
               <a:t>Fourth level</a:t>
             </a:r>
           </a:p>
           <a:p>
             <a:pPr lvl="4"/>
             <a:r>
-              <a:rPr lang="en-US" smtClean="0"/>
+              <a:rPr lang="en-US"/>
               <a:t>Fifth level</a:t>
             </a:r>
-            <a:endParaRPr lang="en-US"/>
           </a:p>
         </p:txBody>
       </p:sp>
@@ -2750,38 +2736,37 @@
           <a:p>
             <a:pPr lvl="0"/>
             <a:r>
-              <a:rPr lang="en-US" smtClean="0"/>
+              <a:rPr lang="en-US"/>
               <a:t>Click to edit Master text styles</a:t>
             </a:r>
           </a:p>
           <a:p>
             <a:pPr lvl="1"/>
             <a:r>
-              <a:rPr lang="en-US" smtClean="0"/>
+              <a:rPr lang="en-US"/>
               <a:t>Second level</a:t>
             </a:r>
           </a:p>
           <a:p>
             <a:pPr lvl="2"/>
             <a:r>
-              <a:rPr lang="en-US" smtClean="0"/>
+              <a:rPr lang="en-US"/>
               <a:t>Third level</a:t>
             </a:r>
           </a:p>
           <a:p>
             <a:pPr lvl="3"/>
             <a:r>
-              <a:rPr lang="en-US" smtClean="0"/>
+              <a:rPr lang="en-US"/>
               <a:t>Fourth level</a:t>
             </a:r>
           </a:p>
           <a:p>
             <a:pPr lvl="4"/>
             <a:r>
-              <a:rPr lang="en-US" smtClean="0"/>
+              <a:rPr lang="en-US"/>
               <a:t>Fifth level</a:t>
             </a:r>
-            <a:endParaRPr lang="en-US"/>
           </a:p>
         </p:txBody>
       </p:sp>
@@ -2808,7 +2793,7 @@
               <a:pPr>
                 <a:defRPr/>
               </a:pPr>
-              <a:t>Saturday, May 9, 2020</a:t>
+              <a:t>Thursday, February 24, 2022</a:t>
             </a:fld>
             <a:endParaRPr lang="en-US"/>
           </a:p>
@@ -2915,10 +2900,9 @@
           </a:lstStyle>
           <a:p>
             <a:r>
-              <a:rPr lang="en-US" smtClean="0"/>
+              <a:rPr lang="en-US"/>
               <a:t>Click to edit Master title style</a:t>
             </a:r>
-            <a:endParaRPr lang="en-US"/>
           </a:p>
         </p:txBody>
       </p:sp>
@@ -2981,7 +2965,7 @@
           <a:p>
             <a:pPr lvl="0"/>
             <a:r>
-              <a:rPr lang="en-US" smtClean="0"/>
+              <a:rPr lang="en-US"/>
               <a:t>Click to edit Master text styles</a:t>
             </a:r>
           </a:p>
@@ -3037,38 +3021,37 @@
           <a:p>
             <a:pPr lvl="0"/>
             <a:r>
-              <a:rPr lang="en-US" smtClean="0"/>
+              <a:rPr lang="en-US"/>
               <a:t>Click to edit Master text styles</a:t>
             </a:r>
           </a:p>
           <a:p>
             <a:pPr lvl="1"/>
             <a:r>
-              <a:rPr lang="en-US" smtClean="0"/>
+              <a:rPr lang="en-US"/>
               <a:t>Second level</a:t>
             </a:r>
           </a:p>
           <a:p>
             <a:pPr lvl="2"/>
             <a:r>
-              <a:rPr lang="en-US" smtClean="0"/>
+              <a:rPr lang="en-US"/>
               <a:t>Third level</a:t>
             </a:r>
           </a:p>
           <a:p>
             <a:pPr lvl="3"/>
             <a:r>
-              <a:rPr lang="en-US" smtClean="0"/>
+              <a:rPr lang="en-US"/>
               <a:t>Fourth level</a:t>
             </a:r>
           </a:p>
           <a:p>
             <a:pPr lvl="4"/>
             <a:r>
-              <a:rPr lang="en-US" smtClean="0"/>
+              <a:rPr lang="en-US"/>
               <a:t>Fifth level</a:t>
             </a:r>
-            <a:endParaRPr lang="en-US"/>
           </a:p>
         </p:txBody>
       </p:sp>
@@ -3131,7 +3114,7 @@
           <a:p>
             <a:pPr lvl="0"/>
             <a:r>
-              <a:rPr lang="en-US" smtClean="0"/>
+              <a:rPr lang="en-US"/>
               <a:t>Click to edit Master text styles</a:t>
             </a:r>
           </a:p>
@@ -3187,38 +3170,37 @@
           <a:p>
             <a:pPr lvl="0"/>
             <a:r>
-              <a:rPr lang="en-US" smtClean="0"/>
+              <a:rPr lang="en-US"/>
               <a:t>Click to edit Master text styles</a:t>
             </a:r>
           </a:p>
           <a:p>
             <a:pPr lvl="1"/>
             <a:r>
-              <a:rPr lang="en-US" smtClean="0"/>
+              <a:rPr lang="en-US"/>
               <a:t>Second level</a:t>
             </a:r>
           </a:p>
           <a:p>
             <a:pPr lvl="2"/>
             <a:r>
-              <a:rPr lang="en-US" smtClean="0"/>
+              <a:rPr lang="en-US"/>
               <a:t>Third level</a:t>
             </a:r>
           </a:p>
           <a:p>
             <a:pPr lvl="3"/>
             <a:r>
-              <a:rPr lang="en-US" smtClean="0"/>
+              <a:rPr lang="en-US"/>
               <a:t>Fourth level</a:t>
             </a:r>
           </a:p>
           <a:p>
             <a:pPr lvl="4"/>
             <a:r>
-              <a:rPr lang="en-US" smtClean="0"/>
+              <a:rPr lang="en-US"/>
               <a:t>Fifth level</a:t>
             </a:r>
-            <a:endParaRPr lang="en-US"/>
           </a:p>
         </p:txBody>
       </p:sp>
@@ -3245,7 +3227,7 @@
               <a:pPr>
                 <a:defRPr/>
               </a:pPr>
-              <a:t>Saturday, May 9, 2020</a:t>
+              <a:t>Thursday, February 24, 2022</a:t>
             </a:fld>
             <a:endParaRPr lang="en-US"/>
           </a:p>
@@ -3348,10 +3330,9 @@
           <a:lstStyle/>
           <a:p>
             <a:r>
-              <a:rPr lang="en-US" smtClean="0"/>
+              <a:rPr lang="en-US"/>
               <a:t>Click to edit Master title style</a:t>
             </a:r>
-            <a:endParaRPr lang="en-US"/>
           </a:p>
         </p:txBody>
       </p:sp>
@@ -3378,7 +3359,7 @@
               <a:pPr>
                 <a:defRPr/>
               </a:pPr>
-              <a:t>Saturday, May 9, 2020</a:t>
+              <a:t>Thursday, February 24, 2022</a:t>
             </a:fld>
             <a:endParaRPr lang="en-US"/>
           </a:p>
@@ -3488,7 +3469,7 @@
               <a:pPr>
                 <a:defRPr/>
               </a:pPr>
-              <a:t>Saturday, May 9, 2020</a:t>
+              <a:t>Thursday, February 24, 2022</a:t>
             </a:fld>
             <a:endParaRPr lang="en-US" dirty="0"/>
           </a:p>
@@ -3600,10 +3581,9 @@
           </a:lstStyle>
           <a:p>
             <a:r>
-              <a:rPr lang="en-US" smtClean="0"/>
+              <a:rPr lang="en-US"/>
               <a:t>Click to edit Master title style</a:t>
             </a:r>
-            <a:endParaRPr lang="en-US"/>
           </a:p>
         </p:txBody>
       </p:sp>
@@ -3657,38 +3637,37 @@
           <a:p>
             <a:pPr lvl="0"/>
             <a:r>
-              <a:rPr lang="en-US" smtClean="0"/>
+              <a:rPr lang="en-US"/>
               <a:t>Click to edit Master text styles</a:t>
             </a:r>
           </a:p>
           <a:p>
             <a:pPr lvl="1"/>
             <a:r>
-              <a:rPr lang="en-US" smtClean="0"/>
+              <a:rPr lang="en-US"/>
               <a:t>Second level</a:t>
             </a:r>
           </a:p>
           <a:p>
             <a:pPr lvl="2"/>
             <a:r>
-              <a:rPr lang="en-US" smtClean="0"/>
+              <a:rPr lang="en-US"/>
               <a:t>Third level</a:t>
             </a:r>
           </a:p>
           <a:p>
             <a:pPr lvl="3"/>
             <a:r>
-              <a:rPr lang="en-US" smtClean="0"/>
+              <a:rPr lang="en-US"/>
               <a:t>Fourth level</a:t>
             </a:r>
           </a:p>
           <a:p>
             <a:pPr lvl="4"/>
             <a:r>
-              <a:rPr lang="en-US" smtClean="0"/>
+              <a:rPr lang="en-US"/>
               <a:t>Fifth level</a:t>
             </a:r>
-            <a:endParaRPr lang="en-US"/>
           </a:p>
         </p:txBody>
       </p:sp>
@@ -3751,7 +3730,7 @@
           <a:p>
             <a:pPr lvl="0"/>
             <a:r>
-              <a:rPr lang="en-US" smtClean="0"/>
+              <a:rPr lang="en-US"/>
               <a:t>Click to edit Master text styles</a:t>
             </a:r>
           </a:p>
@@ -3780,7 +3759,7 @@
               <a:pPr>
                 <a:defRPr/>
               </a:pPr>
-              <a:t>Saturday, May 9, 2020</a:t>
+              <a:t>Thursday, February 24, 2022</a:t>
             </a:fld>
             <a:endParaRPr lang="en-US"/>
           </a:p>
@@ -3892,10 +3871,9 @@
           </a:lstStyle>
           <a:p>
             <a:r>
-              <a:rPr lang="en-US" smtClean="0"/>
+              <a:rPr lang="en-US"/>
               <a:t>Click to edit Master title style</a:t>
             </a:r>
-            <a:endParaRPr lang="en-US"/>
           </a:p>
         </p:txBody>
       </p:sp>
@@ -4019,7 +3997,7 @@
           <a:p>
             <a:pPr lvl="0"/>
             <a:r>
-              <a:rPr lang="en-US" smtClean="0"/>
+              <a:rPr lang="en-US"/>
               <a:t>Click to edit Master text styles</a:t>
             </a:r>
           </a:p>
@@ -4048,7 +4026,7 @@
               <a:pPr>
                 <a:defRPr/>
               </a:pPr>
-              <a:t>Saturday, May 9, 2020</a:t>
+              <a:t>Thursday, February 24, 2022</a:t>
             </a:fld>
             <a:endParaRPr lang="en-US"/>
           </a:p>
@@ -4166,10 +4144,9 @@
           <a:lstStyle/>
           <a:p>
             <a:r>
-              <a:rPr lang="en-US" smtClean="0"/>
+              <a:rPr lang="en-US"/>
               <a:t>Click to edit Master title style</a:t>
             </a:r>
-            <a:endParaRPr lang="en-US"/>
           </a:p>
         </p:txBody>
       </p:sp>
@@ -4200,38 +4177,37 @@
           <a:p>
             <a:pPr lvl="0"/>
             <a:r>
-              <a:rPr lang="en-US" smtClean="0"/>
+              <a:rPr lang="en-US"/>
               <a:t>Click to edit Master text styles</a:t>
             </a:r>
           </a:p>
           <a:p>
             <a:pPr lvl="1"/>
             <a:r>
-              <a:rPr lang="en-US" smtClean="0"/>
+              <a:rPr lang="en-US"/>
               <a:t>Second level</a:t>
             </a:r>
           </a:p>
           <a:p>
             <a:pPr lvl="2"/>
             <a:r>
-              <a:rPr lang="en-US" smtClean="0"/>
+              <a:rPr lang="en-US"/>
               <a:t>Third level</a:t>
             </a:r>
           </a:p>
           <a:p>
             <a:pPr lvl="3"/>
             <a:r>
-              <a:rPr lang="en-US" smtClean="0"/>
+              <a:rPr lang="en-US"/>
               <a:t>Fourth level</a:t>
             </a:r>
           </a:p>
           <a:p>
             <a:pPr lvl="4"/>
             <a:r>
-              <a:rPr lang="en-US" smtClean="0"/>
+              <a:rPr lang="en-US"/>
               <a:t>Fifth level</a:t>
             </a:r>
-            <a:endParaRPr lang="en-US"/>
           </a:p>
         </p:txBody>
       </p:sp>
@@ -4276,7 +4252,7 @@
               <a:pPr>
                 <a:defRPr/>
               </a:pPr>
-              <a:t>Saturday, May 9, 2020</a:t>
+              <a:t>Thursday, February 24, 2022</a:t>
             </a:fld>
             <a:endParaRPr lang="en-US" dirty="0"/>
           </a:p>
@@ -4682,10 +4658,9 @@
               <a:defRPr/>
             </a:pPr>
             <a:r>
-              <a:rPr lang="en-US" dirty="0" smtClean="0"/>
+              <a:rPr lang="en-US" dirty="0"/>
               <a:t>CSSE 220</a:t>
             </a:r>
-            <a:endParaRPr lang="en-US" dirty="0"/>
           </a:p>
         </p:txBody>
       </p:sp>
@@ -4710,7 +4685,7 @@
               </a:lnSpc>
             </a:pPr>
             <a:r>
-              <a:rPr lang="en-US" sz="2500" dirty="0" smtClean="0"/>
+              <a:rPr lang="en-US" sz="2500" dirty="0"/>
               <a:t>Comparable/Comparator</a:t>
             </a:r>
           </a:p>
@@ -4720,75 +4695,100 @@
                 <a:spcPct val="90000"/>
               </a:lnSpc>
             </a:pPr>
-            <a:endParaRPr lang="en-US" sz="2500" dirty="0" smtClean="0"/>
-          </a:p>
-        </p:txBody>
-      </p:sp>
-      <p:sp>
-        <p:nvSpPr>
-          <p:cNvPr id="4" name="TextBox 3"/>
-          <p:cNvSpPr txBox="1"/>
+            <a:endParaRPr lang="en-US" sz="2500" dirty="0"/>
+          </a:p>
+        </p:txBody>
+      </p:sp>
+      <p:sp>
+        <p:nvSpPr>
+          <p:cNvPr id="5" name="Rectangle 4">
+            <a:extLst>
+              <a:ext uri="{FF2B5EF4-FFF2-40B4-BE49-F238E27FC236}">
+                <a16:creationId xmlns:a16="http://schemas.microsoft.com/office/drawing/2014/main" id="{119B4DD4-4799-8F40-9B13-E5CF74548A9D}"/>
+              </a:ext>
+            </a:extLst>
+          </p:cNvPr>
+          <p:cNvSpPr/>
           <p:nvPr/>
         </p:nvSpPr>
         <p:spPr>
           <a:xfrm>
-            <a:off x="285750" y="6242050"/>
-            <a:ext cx="5657850" cy="369332"/>
+            <a:off x="304800" y="4991100"/>
+            <a:ext cx="8534400" cy="1295400"/>
           </a:xfrm>
           <a:prstGeom prst="rect">
             <a:avLst/>
           </a:prstGeom>
+          <a:solidFill>
+            <a:schemeClr val="accent3"/>
+          </a:solidFill>
         </p:spPr>
         <p:style>
           <a:lnRef idx="2">
-            <a:schemeClr val="accent4">
+            <a:schemeClr val="accent3">
               <a:shade val="50000"/>
             </a:schemeClr>
           </a:lnRef>
           <a:fillRef idx="1">
-            <a:schemeClr val="accent4"/>
+            <a:schemeClr val="accent3"/>
           </a:fillRef>
           <a:effectRef idx="0">
-            <a:schemeClr val="accent4"/>
+            <a:schemeClr val="accent3"/>
           </a:effectRef>
           <a:fontRef idx="minor">
             <a:schemeClr val="lt1"/>
           </a:fontRef>
         </p:style>
         <p:txBody>
-          <a:bodyPr>
-            <a:spAutoFit/>
-          </a:bodyPr>
+          <a:bodyPr rtlCol="0" anchor="ctr"/>
           <a:lstStyle/>
           <a:p>
-            <a:pPr>
-              <a:defRPr/>
-            </a:pPr>
-            <a:r>
-              <a:rPr lang="en-US" dirty="0"/>
-              <a:t>Checkout </a:t>
-            </a:r>
-            <a:r>
-              <a:rPr lang="en-US" i="1" dirty="0" err="1" smtClean="0"/>
-              <a:t>MergeSortSimple</a:t>
-            </a:r>
-            <a:r>
-              <a:rPr lang="en-US" i="1" dirty="0" smtClean="0"/>
-              <a:t> </a:t>
-            </a:r>
-            <a:r>
-              <a:rPr lang="en-US" dirty="0" smtClean="0"/>
-              <a:t>project </a:t>
-            </a:r>
-            <a:r>
-              <a:rPr lang="en-US" dirty="0"/>
-              <a:t>from </a:t>
-            </a:r>
-            <a:r>
-              <a:rPr lang="en-US" dirty="0" err="1" smtClean="0"/>
+            <a:r>
+              <a:rPr lang="en-US" sz="2400" dirty="0">
+                <a:solidFill>
+                  <a:srgbClr val="FFFFFF"/>
+                </a:solidFill>
+              </a:rPr>
+              <a:t>The </a:t>
+            </a:r>
+            <a:r>
+              <a:rPr lang="en-US" sz="2400" i="1" dirty="0">
+                <a:solidFill>
+                  <a:srgbClr val="FFFFFF"/>
+                </a:solidFill>
+              </a:rPr>
               <a:t>git</a:t>
             </a:r>
-            <a:endParaRPr lang="en-US" dirty="0"/>
+            <a:r>
+              <a:rPr lang="en-US" sz="2400" dirty="0">
+                <a:solidFill>
+                  <a:srgbClr val="FFFFFF"/>
+                </a:solidFill>
+              </a:rPr>
+              <a:t> projects for today are:</a:t>
+            </a:r>
+          </a:p>
+          <a:p>
+            <a:pPr marL="342900" indent="-342900">
+              <a:buFont typeface="Arial" panose="020B0604020202020204" pitchFamily="34" charset="0"/>
+              <a:buChar char="•"/>
+            </a:pPr>
+            <a:r>
+              <a:rPr lang="en-US" sz="2400" i="1" dirty="0" err="1"/>
+              <a:t>PracticeMergeSortSimple</a:t>
+            </a:r>
+            <a:endParaRPr lang="en-US" sz="2400" i="1" dirty="0"/>
+          </a:p>
+          <a:p>
+            <a:pPr marL="342900" indent="-342900">
+              <a:buFont typeface="Arial" panose="020B0604020202020204" pitchFamily="34" charset="0"/>
+              <a:buChar char="•"/>
+            </a:pPr>
+            <a:r>
+              <a:rPr lang="en-US" sz="2400" i="1" dirty="0" err="1"/>
+              <a:t>PracticeMergeSortSimpleSolution</a:t>
+            </a:r>
+            <a:endParaRPr lang="en-US" sz="2400" i="1" dirty="0"/>
           </a:p>
         </p:txBody>
       </p:sp>
@@ -4809,13 +4809,6 @@
       </p:transition>
     </mc:Fallback>
   </mc:AlternateContent>
-  <p:timing>
-    <p:tnLst>
-      <p:par>
-        <p:cTn id="1" dur="indefinite" restart="never" nodeType="tmRoot"/>
-      </p:par>
-    </p:tnLst>
-  </p:timing>
 </p:sld>
 </file>
 
@@ -4852,10 +4845,9 @@
           <a:lstStyle/>
           <a:p>
             <a:r>
-              <a:rPr lang="en-US" dirty="0" smtClean="0"/>
+              <a:rPr lang="en-US" dirty="0"/>
               <a:t>Today’s Plan</a:t>
             </a:r>
-            <a:endParaRPr lang="en-US" dirty="0"/>
           </a:p>
         </p:txBody>
       </p:sp>
@@ -4875,13 +4867,13 @@
           <a:lstStyle/>
           <a:p>
             <a:r>
-              <a:rPr lang="en-US" dirty="0" smtClean="0"/>
+              <a:rPr lang="en-US" dirty="0"/>
               <a:t>How to use Java’s sort functions (Comparable and Comparator)</a:t>
             </a:r>
           </a:p>
           <a:p>
             <a:r>
-              <a:rPr lang="en-US" dirty="0" smtClean="0"/>
+              <a:rPr lang="en-US" dirty="0"/>
               <a:t>Project worktime</a:t>
             </a:r>
           </a:p>
@@ -4909,13 +4901,6 @@
       </p:transition>
     </mc:Fallback>
   </mc:AlternateContent>
-  <p:timing>
-    <p:tnLst>
-      <p:par>
-        <p:cTn id="1" dur="indefinite" restart="never" nodeType="tmRoot"/>
-      </p:par>
-    </p:tnLst>
-  </p:timing>
 </p:sld>
 </file>
 
@@ -4952,10 +4937,9 @@
           <a:lstStyle/>
           <a:p>
             <a:r>
-              <a:rPr lang="en-US" dirty="0" smtClean="0"/>
+              <a:rPr lang="en-US" dirty="0"/>
               <a:t>How to Sort in Java</a:t>
             </a:r>
-            <a:endParaRPr lang="en-US" dirty="0"/>
           </a:p>
         </p:txBody>
       </p:sp>
@@ -4975,7 +4959,7 @@
           <a:lstStyle/>
           <a:p>
             <a:r>
-              <a:rPr lang="en-US" dirty="0" smtClean="0"/>
+              <a:rPr lang="en-US" dirty="0"/>
               <a:t>For arrays:</a:t>
             </a:r>
           </a:p>
@@ -4984,28 +4968,28 @@
               <a:buNone/>
             </a:pPr>
             <a:r>
-              <a:rPr lang="en-US" dirty="0" err="1" smtClean="0">
+              <a:rPr lang="en-US" dirty="0" err="1">
                 <a:latin typeface="Consolas" panose="020B0609020204030204" pitchFamily="49" charset="0"/>
                 <a:cs typeface="Consolas" panose="020B0609020204030204" pitchFamily="49" charset="0"/>
               </a:rPr>
               <a:t>Arrays.sort</a:t>
             </a:r>
             <a:r>
-              <a:rPr lang="en-US" dirty="0" smtClean="0">
+              <a:rPr lang="en-US" dirty="0">
                 <a:latin typeface="Consolas" panose="020B0609020204030204" pitchFamily="49" charset="0"/>
                 <a:cs typeface="Consolas" panose="020B0609020204030204" pitchFamily="49" charset="0"/>
               </a:rPr>
               <a:t>(</a:t>
             </a:r>
             <a:r>
-              <a:rPr lang="en-US" dirty="0" err="1" smtClean="0">
+              <a:rPr lang="en-US" dirty="0" err="1">
                 <a:latin typeface="Consolas" panose="020B0609020204030204" pitchFamily="49" charset="0"/>
                 <a:cs typeface="Consolas" panose="020B0609020204030204" pitchFamily="49" charset="0"/>
               </a:rPr>
               <a:t>myArray</a:t>
             </a:r>
             <a:r>
-              <a:rPr lang="en-US" dirty="0" smtClean="0">
+              <a:rPr lang="en-US" dirty="0">
                 <a:latin typeface="Consolas" panose="020B0609020204030204" pitchFamily="49" charset="0"/>
                 <a:cs typeface="Consolas" panose="020B0609020204030204" pitchFamily="49" charset="0"/>
               </a:rPr>
@@ -5014,15 +4998,15 @@
           </a:p>
           <a:p>
             <a:r>
-              <a:rPr lang="en-US" dirty="0" smtClean="0"/>
+              <a:rPr lang="en-US" dirty="0"/>
               <a:t>For </a:t>
             </a:r>
             <a:r>
-              <a:rPr lang="en-US" dirty="0" err="1" smtClean="0"/>
+              <a:rPr lang="en-US" dirty="0" err="1"/>
               <a:t>ArrayLists</a:t>
             </a:r>
             <a:r>
-              <a:rPr lang="en-US" dirty="0" smtClean="0"/>
+              <a:rPr lang="en-US" dirty="0"/>
               <a:t> or other stuff:</a:t>
             </a:r>
           </a:p>
@@ -5031,28 +5015,28 @@
               <a:buNone/>
             </a:pPr>
             <a:r>
-              <a:rPr lang="en-US" dirty="0" err="1" smtClean="0">
+              <a:rPr lang="en-US" dirty="0" err="1">
                 <a:latin typeface="Consolas" panose="020B0609020204030204" pitchFamily="49" charset="0"/>
                 <a:cs typeface="Consolas" panose="020B0609020204030204" pitchFamily="49" charset="0"/>
               </a:rPr>
               <a:t>Collections.sort</a:t>
             </a:r>
             <a:r>
-              <a:rPr lang="en-US" dirty="0" smtClean="0">
+              <a:rPr lang="en-US" dirty="0">
                 <a:latin typeface="Consolas" panose="020B0609020204030204" pitchFamily="49" charset="0"/>
                 <a:cs typeface="Consolas" panose="020B0609020204030204" pitchFamily="49" charset="0"/>
               </a:rPr>
               <a:t>(</a:t>
             </a:r>
             <a:r>
-              <a:rPr lang="en-US" dirty="0" err="1" smtClean="0">
+              <a:rPr lang="en-US" dirty="0" err="1">
                 <a:latin typeface="Consolas" panose="020B0609020204030204" pitchFamily="49" charset="0"/>
                 <a:cs typeface="Consolas" panose="020B0609020204030204" pitchFamily="49" charset="0"/>
               </a:rPr>
               <a:t>myArrayList</a:t>
             </a:r>
             <a:r>
-              <a:rPr lang="en-US" dirty="0" smtClean="0">
+              <a:rPr lang="en-US" dirty="0">
                 <a:latin typeface="Consolas" panose="020B0609020204030204" pitchFamily="49" charset="0"/>
                 <a:cs typeface="Consolas" panose="020B0609020204030204" pitchFamily="49" charset="0"/>
               </a:rPr>
@@ -5061,15 +5045,15 @@
           </a:p>
           <a:p>
             <a:r>
-              <a:rPr lang="en-US" dirty="0" smtClean="0"/>
+              <a:rPr lang="en-US" dirty="0"/>
               <a:t>For stuff like Strings and </a:t>
             </a:r>
             <a:r>
-              <a:rPr lang="en-US" dirty="0" err="1" smtClean="0"/>
+              <a:rPr lang="en-US" dirty="0" err="1"/>
               <a:t>ints</a:t>
             </a:r>
             <a:r>
-              <a:rPr lang="en-US" dirty="0" smtClean="0"/>
+              <a:rPr lang="en-US" dirty="0"/>
               <a:t>, the expected sorting is already built in.  But what if you have a new class you want to sort?</a:t>
             </a:r>
           </a:p>
@@ -5077,7 +5061,7 @@
             <a:pPr marL="0" indent="0">
               <a:buNone/>
             </a:pPr>
-            <a:endParaRPr lang="en-US" dirty="0" smtClean="0">
+            <a:endParaRPr lang="en-US" dirty="0">
               <a:latin typeface="Consolas" panose="020B0609020204030204" pitchFamily="49" charset="0"/>
               <a:cs typeface="Consolas" panose="020B0609020204030204" pitchFamily="49" charset="0"/>
             </a:endParaRPr>
@@ -5106,13 +5090,6 @@
   <p:clrMapOvr>
     <a:masterClrMapping/>
   </p:clrMapOvr>
-  <p:timing>
-    <p:tnLst>
-      <p:par>
-        <p:cTn id="1" dur="indefinite" restart="never" nodeType="tmRoot"/>
-      </p:par>
-    </p:tnLst>
-  </p:timing>
 </p:sld>
 </file>
 
@@ -5149,10 +5126,9 @@
           <a:lstStyle/>
           <a:p>
             <a:r>
-              <a:rPr lang="en-US" dirty="0" smtClean="0"/>
+              <a:rPr lang="en-US" dirty="0"/>
               <a:t>When Your Object is Sortable</a:t>
             </a:r>
-            <a:endParaRPr lang="en-US" dirty="0"/>
           </a:p>
         </p:txBody>
       </p:sp>
@@ -5174,40 +5150,40 @@
           <a:lstStyle/>
           <a:p>
             <a:r>
-              <a:rPr lang="en-US" dirty="0" smtClean="0"/>
+              <a:rPr lang="en-US" dirty="0"/>
               <a:t>You should implement the Comparable&lt;</a:t>
             </a:r>
             <a:r>
-              <a:rPr lang="en-US" dirty="0" err="1" smtClean="0"/>
+              <a:rPr lang="en-US" dirty="0" err="1"/>
               <a:t>YourObjectType</a:t>
             </a:r>
             <a:r>
-              <a:rPr lang="en-US" dirty="0" smtClean="0"/>
+              <a:rPr lang="en-US" dirty="0"/>
               <a:t>&gt; interface</a:t>
             </a:r>
           </a:p>
           <a:p>
             <a:r>
-              <a:rPr lang="en-US" dirty="0" smtClean="0"/>
+              <a:rPr lang="en-US" dirty="0"/>
               <a:t>You need to implement 1 method: </a:t>
             </a:r>
             <a:r>
-              <a:rPr lang="en-US" dirty="0" err="1" smtClean="0"/>
+              <a:rPr lang="en-US" dirty="0" err="1"/>
               <a:t>compareTo</a:t>
             </a:r>
             <a:r>
-              <a:rPr lang="en-US" dirty="0" smtClean="0"/>
+              <a:rPr lang="en-US" dirty="0"/>
               <a:t>(other)</a:t>
             </a:r>
           </a:p>
           <a:p>
-            <a:endParaRPr lang="en-US" dirty="0" smtClean="0"/>
-          </a:p>
-          <a:p>
-            <a:endParaRPr lang="en-US" dirty="0" smtClean="0"/>
-          </a:p>
-          <a:p>
-            <a:endParaRPr lang="en-US" dirty="0" smtClean="0"/>
+            <a:endParaRPr lang="en-US" dirty="0"/>
+          </a:p>
+          <a:p>
+            <a:endParaRPr lang="en-US" dirty="0"/>
+          </a:p>
+          <a:p>
+            <a:endParaRPr lang="en-US" dirty="0"/>
           </a:p>
           <a:p>
             <a:endParaRPr lang="en-US" dirty="0"/>
@@ -5242,13 +5218,8 @@
           <a:p>
             <a:r>
               <a:rPr lang="en-US" dirty="0"/>
-              <a:t>Section 10.3 of your text </a:t>
-            </a:r>
-            <a:r>
-              <a:rPr lang="en-US" dirty="0" smtClean="0"/>
-              <a:t>has more details</a:t>
-            </a:r>
-            <a:endParaRPr lang="en-US" dirty="0"/>
+              <a:t>Section 10.3 of your text has more details</a:t>
+            </a:r>
           </a:p>
           <a:p>
             <a:endParaRPr lang="en-US" dirty="0"/>
@@ -5282,32 +5253,24 @@
           <a:lstStyle/>
           <a:p>
             <a:r>
-              <a:rPr lang="en-US" dirty="0" smtClean="0"/>
+              <a:rPr lang="en-US" dirty="0"/>
               <a:t>Requirements: compares data like .equals(), </a:t>
             </a:r>
           </a:p>
           <a:p>
             <a:r>
-              <a:rPr lang="en-US" dirty="0" smtClean="0"/>
+              <a:rPr lang="en-US" dirty="0"/>
               <a:t>but returns an integer such that:</a:t>
             </a:r>
           </a:p>
           <a:p>
             <a:r>
               <a:rPr lang="en-US" b="1" dirty="0" err="1"/>
-              <a:t>a</a:t>
-            </a:r>
-            <a:r>
-              <a:rPr lang="en-US" b="1" dirty="0" err="1" smtClean="0"/>
-              <a:t>.compareTo</a:t>
-            </a:r>
-            <a:r>
-              <a:rPr lang="en-US" b="1" dirty="0" smtClean="0"/>
-              <a:t>(b</a:t>
+              <a:t>a.compareTo</a:t>
             </a:r>
             <a:r>
               <a:rPr lang="en-US" b="1" dirty="0"/>
-              <a:t>) &lt; 0 </a:t>
+              <a:t>(b) &lt; 0 </a:t>
             </a:r>
             <a:r>
               <a:rPr lang="en-US" dirty="0"/>
@@ -5315,53 +5278,48 @@
             </a:r>
             <a:r>
               <a:rPr lang="en-US" b="1" dirty="0"/>
-              <a:t>a </a:t>
-            </a:r>
-            <a:r>
-              <a:rPr lang="en-US" b="1" dirty="0" smtClean="0"/>
-              <a:t>&lt; b</a:t>
-            </a:r>
-          </a:p>
-          <a:p>
-            <a:r>
-              <a:rPr lang="en-US" b="1" dirty="0" err="1" smtClean="0"/>
+              <a:t>a &lt; b</a:t>
+            </a:r>
+          </a:p>
+          <a:p>
+            <a:r>
+              <a:rPr lang="en-US" b="1" dirty="0" err="1"/>
               <a:t>a.compareTo</a:t>
             </a:r>
             <a:r>
-              <a:rPr lang="en-US" b="1" dirty="0" smtClean="0"/>
+              <a:rPr lang="en-US" b="1" dirty="0"/>
               <a:t>(b) &gt; 0</a:t>
             </a:r>
             <a:r>
-              <a:rPr lang="en-US" dirty="0" smtClean="0"/>
+              <a:rPr lang="en-US" dirty="0"/>
               <a:t> when </a:t>
             </a:r>
             <a:r>
-              <a:rPr lang="en-US" b="1" dirty="0" smtClean="0"/>
+              <a:rPr lang="en-US" b="1" dirty="0"/>
               <a:t>a &gt; b</a:t>
             </a:r>
           </a:p>
           <a:p>
             <a:r>
-              <a:rPr lang="en-US" b="1" dirty="0" err="1" smtClean="0"/>
+              <a:rPr lang="en-US" b="1" dirty="0" err="1"/>
               <a:t>a.compareTo</a:t>
             </a:r>
             <a:r>
-              <a:rPr lang="en-US" b="1" dirty="0" smtClean="0"/>
+              <a:rPr lang="en-US" b="1" dirty="0"/>
               <a:t>(b) == 0</a:t>
             </a:r>
             <a:r>
-              <a:rPr lang="en-US" dirty="0" smtClean="0"/>
+              <a:rPr lang="en-US" dirty="0"/>
               <a:t> when </a:t>
             </a:r>
             <a:r>
-              <a:rPr lang="en-US" b="1" dirty="0" smtClean="0"/>
+              <a:rPr lang="en-US" b="1" dirty="0"/>
               <a:t>a == b</a:t>
             </a:r>
             <a:r>
-              <a:rPr lang="en-US" dirty="0" smtClean="0"/>
+              <a:rPr lang="en-US" dirty="0"/>
               <a:t>.</a:t>
             </a:r>
-            <a:endParaRPr lang="en-US" dirty="0"/>
           </a:p>
         </p:txBody>
       </p:sp>
@@ -5375,13 +5333,6 @@
   <p:clrMapOvr>
     <a:masterClrMapping/>
   </p:clrMapOvr>
-  <p:timing>
-    <p:tnLst>
-      <p:par>
-        <p:cTn id="1" dur="indefinite" restart="never" nodeType="tmRoot"/>
-      </p:par>
-    </p:tnLst>
-  </p:timing>
 </p:sld>
 </file>
 
@@ -5421,10 +5372,9 @@
               <a:defRPr/>
             </a:pPr>
             <a:r>
-              <a:rPr lang="en-US" dirty="0" smtClean="0"/>
+              <a:rPr lang="en-US" dirty="0"/>
               <a:t>A Sort of a Different Order</a:t>
             </a:r>
-            <a:endParaRPr lang="en-US" dirty="0"/>
           </a:p>
         </p:txBody>
       </p:sp>
@@ -5446,77 +5396,72 @@
           <a:lstStyle/>
           <a:p>
             <a:r>
-              <a:rPr lang="en-US" dirty="0" smtClean="0"/>
+              <a:rPr lang="en-US" dirty="0"/>
               <a:t>Java libraries provide efficient sorting algorithms</a:t>
             </a:r>
           </a:p>
           <a:p>
             <a:pPr lvl="1"/>
             <a:r>
-              <a:rPr lang="en-US" dirty="0" err="1" smtClean="0">
+              <a:rPr lang="en-US" dirty="0" err="1">
                 <a:latin typeface="Lucida Sans Typewriter" charset="0"/>
               </a:rPr>
               <a:t>Arrays.sort</a:t>
             </a:r>
             <a:r>
-              <a:rPr lang="en-US" dirty="0" smtClean="0">
+              <a:rPr lang="en-US" dirty="0">
                 <a:latin typeface="Lucida Sans Typewriter" charset="0"/>
               </a:rPr>
               <a:t>(…) </a:t>
             </a:r>
             <a:r>
-              <a:rPr lang="en-US" dirty="0" smtClean="0"/>
+              <a:rPr lang="en-US" dirty="0"/>
               <a:t>and </a:t>
             </a:r>
             <a:r>
-              <a:rPr lang="en-US" dirty="0" err="1" smtClean="0">
+              <a:rPr lang="en-US" dirty="0" err="1">
                 <a:latin typeface="Lucida Sans Typewriter" charset="0"/>
               </a:rPr>
               <a:t>Collections.sort</a:t>
             </a:r>
             <a:r>
-              <a:rPr lang="en-US" dirty="0" smtClean="0">
+              <a:rPr lang="en-US" dirty="0">
                 <a:latin typeface="Lucida Sans Typewriter" charset="0"/>
               </a:rPr>
               <a:t>(…)</a:t>
             </a:r>
           </a:p>
           <a:p>
-            <a:endParaRPr lang="en-US" dirty="0" smtClean="0"/>
-          </a:p>
-          <a:p>
-            <a:r>
-              <a:rPr lang="en-US" dirty="0" smtClean="0"/>
+            <a:endParaRPr lang="en-US" dirty="0"/>
+          </a:p>
+          <a:p>
+            <a:r>
+              <a:rPr lang="en-US" dirty="0"/>
               <a:t>But suppose we want to sort by something other than the “natural order” given by </a:t>
             </a:r>
             <a:r>
-              <a:rPr lang="en-US" dirty="0" err="1" smtClean="0">
+              <a:rPr lang="en-US" dirty="0" err="1">
                 <a:latin typeface="Lucida Sans Typewriter" charset="0"/>
               </a:rPr>
               <a:t>compareTo</a:t>
             </a:r>
             <a:r>
-              <a:rPr lang="en-US" dirty="0" smtClean="0">
+              <a:rPr lang="en-US" dirty="0">
                 <a:latin typeface="Lucida Sans Typewriter" charset="0"/>
               </a:rPr>
               <a:t>()</a:t>
             </a:r>
           </a:p>
           <a:p>
-            <a:endParaRPr lang="en-US" dirty="0" smtClean="0">
+            <a:endParaRPr lang="en-US" dirty="0">
               <a:latin typeface="Lucida Sans Typewriter" charset="0"/>
             </a:endParaRPr>
           </a:p>
           <a:p>
             <a:r>
               <a:rPr lang="en-US" dirty="0"/>
-              <a:t>Look at the </a:t>
-            </a:r>
-            <a:r>
-              <a:rPr lang="en-US" dirty="0" smtClean="0"/>
-              <a:t>ugly code duplication if the way to sort is embedded in the sort (next slide)!</a:t>
-            </a:r>
-            <a:endParaRPr lang="en-US" dirty="0"/>
+              <a:t>Look at the ugly code duplication if the way to sort is embedded in the sort (next slide)!</a:t>
+            </a:r>
           </a:p>
         </p:txBody>
       </p:sp>
@@ -5537,13 +5482,6 @@
       </p:transition>
     </mc:Fallback>
   </mc:AlternateContent>
-  <p:timing>
-    <p:tnLst>
-      <p:par>
-        <p:cTn id="1" dur="indefinite" restart="never" nodeType="tmRoot"/>
-      </p:par>
-    </p:tnLst>
-  </p:timing>
 </p:sld>
 </file>
 
@@ -5580,10 +5518,9 @@
           <a:lstStyle/>
           <a:p>
             <a:r>
-              <a:rPr lang="en-US" dirty="0" smtClean="0"/>
+              <a:rPr lang="en-US" dirty="0"/>
               <a:t>Code duplication again!</a:t>
             </a:r>
-            <a:endParaRPr lang="en-US" dirty="0"/>
           </a:p>
         </p:txBody>
       </p:sp>
@@ -5608,10 +5545,9 @@
           <a:lstStyle/>
           <a:p>
             <a:r>
-              <a:rPr lang="en-US" dirty="0" smtClean="0"/>
+              <a:rPr lang="en-US" dirty="0"/>
               <a:t>Sort by length of string</a:t>
             </a:r>
-            <a:endParaRPr lang="en-US" dirty="0"/>
           </a:p>
         </p:txBody>
       </p:sp>
@@ -5649,23 +5585,7 @@
                   <a:srgbClr val="FF0000"/>
                 </a:solidFill>
               </a:rPr>
-              <a:t>public </a:t>
-            </a:r>
-            <a:r>
-              <a:rPr lang="en-US" sz="1400" dirty="0" smtClean="0">
-                <a:solidFill>
-                  <a:srgbClr val="FF0000"/>
-                </a:solidFill>
-              </a:rPr>
-              <a:t>void sort(String[] </a:t>
-            </a:r>
-            <a:r>
-              <a:rPr lang="en-US" sz="1400" dirty="0">
-                <a:solidFill>
-                  <a:srgbClr val="FF0000"/>
-                </a:solidFill>
-              </a:rPr>
-              <a:t>array) {</a:t>
+              <a:t>public void sort(String[] array) {</a:t>
             </a:r>
           </a:p>
           <a:p>
@@ -5676,7 +5596,7 @@
               <a:buNone/>
             </a:pPr>
             <a:r>
-              <a:rPr lang="en-US" sz="1400" dirty="0" smtClean="0">
+              <a:rPr lang="en-US" sz="1400" dirty="0">
                 <a:solidFill>
                   <a:srgbClr val="FF0000"/>
                 </a:solidFill>
@@ -5724,20 +5644,12 @@
               <a:buNone/>
             </a:pPr>
             <a:r>
-              <a:rPr lang="en-US" sz="1400" dirty="0" smtClean="0">
-                <a:solidFill>
-                  <a:srgbClr val="FF0000"/>
-                </a:solidFill>
-              </a:rPr>
-              <a:t>    for </a:t>
-            </a:r>
-            <a:r>
               <a:rPr lang="en-US" sz="1400" dirty="0">
                 <a:solidFill>
                   <a:srgbClr val="FF0000"/>
                 </a:solidFill>
               </a:rPr>
-              <a:t>(</a:t>
+              <a:t>    for (</a:t>
             </a:r>
             <a:r>
               <a:rPr lang="en-US" sz="1400" dirty="0" err="1">
@@ -5753,15 +5665,15 @@
                   <a:srgbClr val="FF0000"/>
                 </a:solidFill>
               </a:rPr>
-              <a:t> </a:t>
-            </a:r>
-            <a:r>
-              <a:rPr lang="en-US" sz="1400" dirty="0" smtClean="0">
-                <a:solidFill>
-                  <a:srgbClr val="FF0000"/>
-                </a:solidFill>
-              </a:rPr>
-              <a:t>j= </a:t>
+              <a:t> j= 0; j&lt; n - 1; </a:t>
+            </a:r>
+            <a:r>
+              <a:rPr lang="en-US" sz="1400" dirty="0" err="1">
+                <a:solidFill>
+                  <a:srgbClr val="FF0000"/>
+                </a:solidFill>
+              </a:rPr>
+              <a:t>j++</a:t>
             </a:r>
             <a:r>
               <a:rPr lang="en-US" sz="1400" dirty="0">
@@ -5769,47 +5681,7 @@
                   <a:srgbClr val="FF0000"/>
                 </a:solidFill>
               </a:rPr>
-              <a:t>0; </a:t>
-            </a:r>
-            <a:r>
-              <a:rPr lang="en-US" sz="1400" dirty="0" smtClean="0">
-                <a:solidFill>
-                  <a:srgbClr val="FF0000"/>
-                </a:solidFill>
-              </a:rPr>
-              <a:t>j&lt; </a:t>
-            </a:r>
-            <a:r>
-              <a:rPr lang="en-US" sz="1400" dirty="0">
-                <a:solidFill>
-                  <a:srgbClr val="FF0000"/>
-                </a:solidFill>
-              </a:rPr>
-              <a:t>n - 1; </a:t>
-            </a:r>
-            <a:r>
-              <a:rPr lang="en-US" sz="1400" dirty="0" err="1" smtClean="0">
-                <a:solidFill>
-                  <a:srgbClr val="FF0000"/>
-                </a:solidFill>
-              </a:rPr>
-              <a:t>j++</a:t>
-            </a:r>
-            <a:r>
-              <a:rPr lang="en-US" sz="1400" dirty="0" smtClean="0">
-                <a:solidFill>
-                  <a:srgbClr val="FF0000"/>
-                </a:solidFill>
-              </a:rPr>
-              <a:t>) </a:t>
-            </a:r>
-            <a:r>
-              <a:rPr lang="en-US" sz="1400" dirty="0">
-                <a:solidFill>
-                  <a:srgbClr val="FF0000"/>
-                </a:solidFill>
-              </a:rPr>
-              <a:t>{</a:t>
+              <a:t>) {</a:t>
             </a:r>
           </a:p>
           <a:p>
@@ -5825,34 +5697,26 @@
                   <a:srgbClr val="FF0000"/>
                 </a:solidFill>
               </a:rPr>
+              <a:t>        </a:t>
+            </a:r>
+            <a:r>
+              <a:rPr lang="en-US" sz="1400" dirty="0" err="1">
+                <a:solidFill>
+                  <a:srgbClr val="FF0000"/>
+                </a:solidFill>
+              </a:rPr>
+              <a:t>int</a:t>
+            </a:r>
+            <a:r>
+              <a:rPr lang="en-US" sz="1400" dirty="0">
+                <a:solidFill>
+                  <a:srgbClr val="FF0000"/>
+                </a:solidFill>
+              </a:rPr>
               <a:t> </a:t>
             </a:r>
             <a:r>
-              <a:rPr lang="en-US" sz="1400" dirty="0" smtClean="0">
-                <a:solidFill>
-                  <a:srgbClr val="FF0000"/>
-                </a:solidFill>
-              </a:rPr>
-              <a:t>       </a:t>
-            </a:r>
-            <a:r>
-              <a:rPr lang="en-US" sz="1400" dirty="0" err="1" smtClean="0">
-                <a:solidFill>
-                  <a:srgbClr val="FF0000"/>
-                </a:solidFill>
-              </a:rPr>
-              <a:t>int</a:t>
-            </a:r>
-            <a:r>
-              <a:rPr lang="en-US" sz="1400" dirty="0" smtClean="0">
-                <a:solidFill>
-                  <a:srgbClr val="FF0000"/>
-                </a:solidFill>
-              </a:rPr>
-              <a:t> </a:t>
-            </a:r>
-            <a:r>
-              <a:rPr lang="en-US" sz="1400" dirty="0" err="1" smtClean="0">
+              <a:rPr lang="en-US" sz="1400" dirty="0" err="1">
                 <a:solidFill>
                   <a:srgbClr val="FF0000"/>
                 </a:solidFill>
@@ -5860,34 +5724,13 @@
               <a:t>indexOfSmallestLeft</a:t>
             </a:r>
             <a:r>
-              <a:rPr lang="en-US" sz="1400" dirty="0" smtClean="0">
-                <a:solidFill>
-                  <a:srgbClr val="FF0000"/>
-                </a:solidFill>
-              </a:rPr>
-              <a:t> </a:t>
-            </a:r>
-            <a:r>
               <a:rPr lang="en-US" sz="1400" dirty="0">
                 <a:solidFill>
                   <a:srgbClr val="FF0000"/>
                 </a:solidFill>
               </a:rPr>
-              <a:t>= </a:t>
-            </a:r>
-            <a:r>
-              <a:rPr lang="en-US" sz="1400" dirty="0" smtClean="0">
-                <a:solidFill>
-                  <a:srgbClr val="FF0000"/>
-                </a:solidFill>
-              </a:rPr>
-              <a:t>j;</a:t>
-            </a:r>
-            <a:endParaRPr lang="en-US" sz="1400" dirty="0">
-              <a:solidFill>
-                <a:srgbClr val="FF0000"/>
-              </a:solidFill>
-            </a:endParaRPr>
+              <a:t> = j;</a:t>
+            </a:r>
           </a:p>
           <a:p>
             <a:pPr marL="0" indent="0">
@@ -5897,7 +5740,7 @@
               <a:buNone/>
             </a:pPr>
             <a:r>
-              <a:rPr lang="en-US" sz="1400" dirty="0" smtClean="0">
+              <a:rPr lang="en-US" sz="1400" dirty="0">
                 <a:solidFill>
                   <a:srgbClr val="FF0000"/>
                 </a:solidFill>
@@ -5905,7 +5748,7 @@
               <a:t>        String </a:t>
             </a:r>
             <a:r>
-              <a:rPr lang="en-US" sz="1400" dirty="0" err="1" smtClean="0">
+              <a:rPr lang="en-US" sz="1400" dirty="0" err="1">
                 <a:solidFill>
                   <a:srgbClr val="FF0000"/>
                 </a:solidFill>
@@ -5913,31 +5756,15 @@
               <a:t>smallestLeft</a:t>
             </a:r>
             <a:r>
-              <a:rPr lang="en-US" sz="1400" dirty="0" smtClean="0">
-                <a:solidFill>
-                  <a:srgbClr val="FF0000"/>
-                </a:solidFill>
-              </a:rPr>
-              <a:t> </a:t>
-            </a:r>
-            <a:r>
               <a:rPr lang="en-US" sz="1400" dirty="0">
                 <a:solidFill>
                   <a:srgbClr val="FF0000"/>
                 </a:solidFill>
               </a:rPr>
-              <a:t>= </a:t>
-            </a:r>
-            <a:r>
-              <a:rPr lang="en-US" sz="1400" dirty="0" smtClean="0">
-                <a:solidFill>
-                  <a:srgbClr val="FF0000"/>
-                </a:solidFill>
-              </a:rPr>
-              <a:t>array[</a:t>
-            </a:r>
-            <a:r>
-              <a:rPr lang="en-US" sz="1400" dirty="0" err="1" smtClean="0">
+              <a:t> = array[</a:t>
+            </a:r>
+            <a:r>
+              <a:rPr lang="en-US" sz="1400" dirty="0" err="1">
                 <a:solidFill>
                   <a:srgbClr val="FF0000"/>
                 </a:solidFill>
@@ -5945,18 +5772,13 @@
               <a:t>indexOfSmallestLeft</a:t>
             </a:r>
             <a:r>
-              <a:rPr lang="en-US" sz="1400" dirty="0" smtClean="0">
+              <a:rPr lang="en-US" sz="1400" dirty="0">
                 <a:solidFill>
                   <a:srgbClr val="FF0000"/>
                 </a:solidFill>
               </a:rPr>
               <a:t>];</a:t>
             </a:r>
-            <a:endParaRPr lang="en-US" sz="1400" dirty="0">
-              <a:solidFill>
-                <a:srgbClr val="FF0000"/>
-              </a:solidFill>
-            </a:endParaRPr>
           </a:p>
           <a:p>
             <a:pPr marL="0" indent="0">
@@ -5966,20 +5788,12 @@
               <a:buNone/>
             </a:pPr>
             <a:r>
-              <a:rPr lang="en-US" sz="1400" dirty="0" smtClean="0">
-                <a:solidFill>
-                  <a:srgbClr val="FF0000"/>
-                </a:solidFill>
-              </a:rPr>
-              <a:t>        for </a:t>
-            </a:r>
-            <a:r>
               <a:rPr lang="en-US" sz="1400" dirty="0">
                 <a:solidFill>
                   <a:srgbClr val="FF0000"/>
                 </a:solidFill>
               </a:rPr>
-              <a:t>(</a:t>
+              <a:t>        for (</a:t>
             </a:r>
             <a:r>
               <a:rPr lang="en-US" sz="1400" dirty="0" err="1">
@@ -6011,23 +5825,7 @@
                   <a:srgbClr val="FF0000"/>
                 </a:solidFill>
               </a:rPr>
-              <a:t> = </a:t>
-            </a:r>
-            <a:r>
-              <a:rPr lang="en-US" sz="1400" dirty="0" smtClean="0">
-                <a:solidFill>
-                  <a:srgbClr val="FF0000"/>
-                </a:solidFill>
-              </a:rPr>
-              <a:t>j+ </a:t>
-            </a:r>
-            <a:r>
-              <a:rPr lang="en-US" sz="1400" dirty="0">
-                <a:solidFill>
-                  <a:srgbClr val="FF0000"/>
-                </a:solidFill>
-              </a:rPr>
-              <a:t>1; </a:t>
+              <a:t> = j+ 1; </a:t>
             </a:r>
             <a:r>
               <a:rPr lang="en-US" sz="1400" dirty="0" err="1">
@@ -6070,20 +5868,12 @@
               <a:buNone/>
             </a:pPr>
             <a:r>
-              <a:rPr lang="en-US" sz="1400" b="1" dirty="0" smtClean="0">
-                <a:solidFill>
-                  <a:srgbClr val="FF0000"/>
-                </a:solidFill>
-              </a:rPr>
-              <a:t>            if </a:t>
-            </a:r>
-            <a:r>
               <a:rPr lang="en-US" sz="1400" b="1" dirty="0">
                 <a:solidFill>
                   <a:srgbClr val="FF0000"/>
                 </a:solidFill>
               </a:rPr>
-              <a:t>(</a:t>
+              <a:t>            if (</a:t>
             </a:r>
             <a:r>
               <a:rPr lang="en-US" sz="1400" b="1" dirty="0"/>
@@ -6094,32 +5884,24 @@
               <a:t>i</a:t>
             </a:r>
             <a:r>
-              <a:rPr lang="en-US" sz="1400" b="1" dirty="0" smtClean="0"/>
+              <a:rPr lang="en-US" sz="1400" b="1" dirty="0"/>
               <a:t>].length() &lt;  </a:t>
             </a:r>
             <a:r>
-              <a:rPr lang="en-US" sz="1400" b="1" dirty="0" err="1" smtClean="0"/>
+              <a:rPr lang="en-US" sz="1400" b="1" dirty="0" err="1"/>
               <a:t>smallestLeft.length</a:t>
             </a:r>
             <a:r>
-              <a:rPr lang="en-US" sz="1400" b="1" dirty="0" smtClean="0"/>
+              <a:rPr lang="en-US" sz="1400" b="1" dirty="0"/>
               <a:t>()</a:t>
             </a:r>
             <a:r>
-              <a:rPr lang="en-US" sz="1400" dirty="0" smtClean="0">
-                <a:solidFill>
-                  <a:srgbClr val="FF0000"/>
-                </a:solidFill>
-              </a:rPr>
-              <a:t>) </a:t>
-            </a:r>
-            <a:r>
               <a:rPr lang="en-US" sz="1400" dirty="0">
                 <a:solidFill>
                   <a:srgbClr val="FF0000"/>
                 </a:solidFill>
               </a:rPr>
-              <a:t>{</a:t>
+              <a:t>) {</a:t>
             </a:r>
           </a:p>
           <a:p>
@@ -6130,7 +5912,7 @@
               <a:buNone/>
             </a:pPr>
             <a:r>
-              <a:rPr lang="en-US" sz="1400" dirty="0" smtClean="0">
+              <a:rPr lang="en-US" sz="1400" dirty="0">
                 <a:solidFill>
                   <a:srgbClr val="FF0000"/>
                 </a:solidFill>
@@ -6138,7 +5920,7 @@
               <a:t>                </a:t>
             </a:r>
             <a:r>
-              <a:rPr lang="en-US" sz="1400" dirty="0" err="1" smtClean="0">
+              <a:rPr lang="en-US" sz="1400" dirty="0" err="1">
                 <a:solidFill>
                   <a:srgbClr val="FF0000"/>
                 </a:solidFill>
@@ -6146,20 +5928,12 @@
               <a:t>indexOfSmallestLeft</a:t>
             </a:r>
             <a:r>
-              <a:rPr lang="en-US" sz="1400" dirty="0" smtClean="0">
-                <a:solidFill>
-                  <a:srgbClr val="FF0000"/>
-                </a:solidFill>
-              </a:rPr>
-              <a:t> </a:t>
-            </a:r>
-            <a:r>
               <a:rPr lang="en-US" sz="1400" dirty="0">
                 <a:solidFill>
                   <a:srgbClr val="FF0000"/>
                 </a:solidFill>
               </a:rPr>
-              <a:t>= </a:t>
+              <a:t> = </a:t>
             </a:r>
             <a:r>
               <a:rPr lang="en-US" sz="1400" dirty="0" err="1">
@@ -6186,7 +5960,7 @@
               <a:buNone/>
             </a:pPr>
             <a:r>
-              <a:rPr lang="en-US" sz="1400" dirty="0" smtClean="0">
+              <a:rPr lang="en-US" sz="1400" dirty="0">
                 <a:solidFill>
                   <a:srgbClr val="FF0000"/>
                 </a:solidFill>
@@ -6194,7 +5968,7 @@
               <a:t>                </a:t>
             </a:r>
             <a:r>
-              <a:rPr lang="en-US" sz="1400" dirty="0" err="1" smtClean="0">
+              <a:rPr lang="en-US" sz="1400" dirty="0" err="1">
                 <a:solidFill>
                   <a:srgbClr val="FF0000"/>
                 </a:solidFill>
@@ -6202,20 +5976,12 @@
               <a:t>smallestLeft</a:t>
             </a:r>
             <a:r>
-              <a:rPr lang="en-US" sz="1400" dirty="0" smtClean="0">
-                <a:solidFill>
-                  <a:srgbClr val="FF0000"/>
-                </a:solidFill>
-              </a:rPr>
-              <a:t> </a:t>
-            </a:r>
-            <a:r>
               <a:rPr lang="en-US" sz="1400" dirty="0">
                 <a:solidFill>
                   <a:srgbClr val="FF0000"/>
                 </a:solidFill>
               </a:rPr>
-              <a:t>= array[</a:t>
+              <a:t> = array[</a:t>
             </a:r>
             <a:r>
               <a:rPr lang="en-US" sz="1400" dirty="0" err="1">
@@ -6242,18 +6008,13 @@
               <a:buNone/>
             </a:pPr>
             <a:r>
-              <a:rPr lang="en-US" sz="1400" dirty="0" smtClean="0">
+              <a:rPr lang="en-US" sz="1400" dirty="0">
                 <a:solidFill>
                   <a:srgbClr val="FF0000"/>
                 </a:solidFill>
               </a:rPr>
               <a:t>            }</a:t>
             </a:r>
-            <a:endParaRPr lang="en-US" sz="1400" dirty="0">
-              <a:solidFill>
-                <a:srgbClr val="FF0000"/>
-              </a:solidFill>
-            </a:endParaRPr>
           </a:p>
           <a:p>
             <a:pPr marL="0" indent="0">
@@ -6263,18 +6024,13 @@
               <a:buNone/>
             </a:pPr>
             <a:r>
-              <a:rPr lang="en-US" sz="1400" dirty="0" smtClean="0">
+              <a:rPr lang="en-US" sz="1400" dirty="0">
                 <a:solidFill>
                   <a:srgbClr val="FF0000"/>
                 </a:solidFill>
               </a:rPr>
               <a:t>        }</a:t>
             </a:r>
-            <a:endParaRPr lang="en-US" sz="1400" dirty="0">
-              <a:solidFill>
-                <a:srgbClr val="FF0000"/>
-              </a:solidFill>
-            </a:endParaRPr>
           </a:p>
           <a:p>
             <a:pPr marL="0" indent="0">
@@ -6284,7 +6040,7 @@
               <a:buNone/>
             </a:pPr>
             <a:r>
-              <a:rPr lang="en-US" sz="1400" dirty="0" smtClean="0">
+              <a:rPr lang="en-US" sz="1400" dirty="0">
                 <a:solidFill>
                   <a:srgbClr val="FF0000"/>
                 </a:solidFill>
@@ -6292,7 +6048,7 @@
               <a:t>        array[</a:t>
             </a:r>
             <a:r>
-              <a:rPr lang="en-US" sz="1400" dirty="0" err="1" smtClean="0">
+              <a:rPr lang="en-US" sz="1400" dirty="0" err="1">
                 <a:solidFill>
                   <a:srgbClr val="FF0000"/>
                 </a:solidFill>
@@ -6300,34 +6056,13 @@
               <a:t>indexOfSmallestLeft</a:t>
             </a:r>
             <a:r>
-              <a:rPr lang="en-US" sz="1400" dirty="0" smtClean="0">
-                <a:solidFill>
-                  <a:srgbClr val="FF0000"/>
-                </a:solidFill>
-              </a:rPr>
-              <a:t>] </a:t>
-            </a:r>
-            <a:r>
               <a:rPr lang="en-US" sz="1400" dirty="0">
                 <a:solidFill>
                   <a:srgbClr val="FF0000"/>
                 </a:solidFill>
               </a:rPr>
-              <a:t>= </a:t>
-            </a:r>
-            <a:r>
-              <a:rPr lang="en-US" sz="1400" dirty="0" smtClean="0">
-                <a:solidFill>
-                  <a:srgbClr val="FF0000"/>
-                </a:solidFill>
-              </a:rPr>
-              <a:t>array[j];</a:t>
-            </a:r>
-            <a:endParaRPr lang="en-US" sz="1400" dirty="0">
-              <a:solidFill>
-                <a:srgbClr val="FF0000"/>
-              </a:solidFill>
-            </a:endParaRPr>
+              <a:t>] = array[j];</a:t>
+            </a:r>
           </a:p>
           <a:p>
             <a:pPr marL="0" indent="0">
@@ -6337,23 +6072,15 @@
               <a:buNone/>
             </a:pPr>
             <a:r>
-              <a:rPr lang="en-US" sz="1400" dirty="0" smtClean="0">
-                <a:solidFill>
-                  <a:srgbClr val="FF0000"/>
-                </a:solidFill>
-              </a:rPr>
-              <a:t>        array[j] </a:t>
-            </a:r>
-            <a:r>
               <a:rPr lang="en-US" sz="1400" dirty="0">
                 <a:solidFill>
                   <a:srgbClr val="FF0000"/>
                 </a:solidFill>
               </a:rPr>
-              <a:t>= </a:t>
-            </a:r>
-            <a:r>
-              <a:rPr lang="en-US" sz="1400" dirty="0" err="1" smtClean="0">
+              <a:t>        array[j] = </a:t>
+            </a:r>
+            <a:r>
+              <a:rPr lang="en-US" sz="1400" dirty="0" err="1">
                 <a:solidFill>
                   <a:srgbClr val="FF0000"/>
                 </a:solidFill>
@@ -6361,18 +6088,13 @@
               <a:t>smallestLeft</a:t>
             </a:r>
             <a:r>
-              <a:rPr lang="en-US" sz="1400" dirty="0" smtClean="0">
+              <a:rPr lang="en-US" sz="1400" dirty="0">
                 <a:solidFill>
                   <a:srgbClr val="FF0000"/>
                 </a:solidFill>
               </a:rPr>
               <a:t>;</a:t>
             </a:r>
-            <a:endParaRPr lang="en-US" sz="1400" dirty="0">
-              <a:solidFill>
-                <a:srgbClr val="FF0000"/>
-              </a:solidFill>
-            </a:endParaRPr>
           </a:p>
           <a:p>
             <a:pPr marL="0" indent="0">
@@ -6382,18 +6104,13 @@
               <a:buNone/>
             </a:pPr>
             <a:r>
-              <a:rPr lang="en-US" sz="1400" dirty="0" smtClean="0">
+              <a:rPr lang="en-US" sz="1400" dirty="0">
                 <a:solidFill>
                   <a:srgbClr val="FF0000"/>
                 </a:solidFill>
               </a:rPr>
               <a:t>    }</a:t>
             </a:r>
-            <a:endParaRPr lang="en-US" sz="1400" dirty="0">
-              <a:solidFill>
-                <a:srgbClr val="FF0000"/>
-              </a:solidFill>
-            </a:endParaRPr>
           </a:p>
           <a:p>
             <a:pPr marL="0" indent="0">
@@ -6447,10 +6164,9 @@
           <a:lstStyle/>
           <a:p>
             <a:r>
-              <a:rPr lang="en-US" dirty="0" smtClean="0"/>
+              <a:rPr lang="en-US" dirty="0"/>
               <a:t>Sort by second character</a:t>
             </a:r>
-            <a:endParaRPr lang="en-US" dirty="0"/>
           </a:p>
         </p:txBody>
       </p:sp>
@@ -6488,23 +6204,7 @@
                   <a:srgbClr val="FF0000"/>
                 </a:solidFill>
               </a:rPr>
-              <a:t>public void </a:t>
-            </a:r>
-            <a:r>
-              <a:rPr lang="en-US" sz="1400" dirty="0" smtClean="0">
-                <a:solidFill>
-                  <a:srgbClr val="FF0000"/>
-                </a:solidFill>
-              </a:rPr>
-              <a:t>sort(String</a:t>
-            </a:r>
-            <a:r>
-              <a:rPr lang="en-US" sz="1400" dirty="0">
-                <a:solidFill>
-                  <a:srgbClr val="FF0000"/>
-                </a:solidFill>
-              </a:rPr>
-              <a:t>[] array) {</a:t>
+              <a:t>public void sort(String[] array) {</a:t>
             </a:r>
           </a:p>
           <a:p>
@@ -6803,40 +6503,32 @@
               <a:t>i</a:t>
             </a:r>
             <a:r>
-              <a:rPr lang="en-US" sz="1400" b="1" dirty="0" smtClean="0"/>
+              <a:rPr lang="en-US" sz="1400" b="1" dirty="0"/>
               <a:t>].</a:t>
             </a:r>
             <a:r>
-              <a:rPr lang="en-US" sz="1400" b="1" dirty="0" err="1" smtClean="0"/>
+              <a:rPr lang="en-US" sz="1400" b="1" dirty="0" err="1"/>
               <a:t>charAt</a:t>
             </a:r>
             <a:r>
-              <a:rPr lang="en-US" sz="1400" b="1" dirty="0" smtClean="0"/>
+              <a:rPr lang="en-US" sz="1400" b="1" dirty="0"/>
               <a:t>(1) &lt;  </a:t>
             </a:r>
             <a:r>
-              <a:rPr lang="en-US" sz="1400" b="1" dirty="0" err="1" smtClean="0"/>
+              <a:rPr lang="en-US" sz="1400" b="1" dirty="0" err="1"/>
               <a:t>smallestLeft.charAt</a:t>
             </a:r>
             <a:r>
-              <a:rPr lang="en-US" sz="1400" b="1" dirty="0" smtClean="0"/>
+              <a:rPr lang="en-US" sz="1400" b="1" dirty="0"/>
               <a:t>(1)</a:t>
             </a:r>
             <a:r>
-              <a:rPr lang="en-US" sz="1400" dirty="0" smtClean="0">
-                <a:solidFill>
-                  <a:srgbClr val="FF0000"/>
-                </a:solidFill>
-              </a:rPr>
-              <a:t>) </a:t>
-            </a:r>
-            <a:r>
               <a:rPr lang="en-US" sz="1400" dirty="0">
                 <a:solidFill>
                   <a:srgbClr val="FF0000"/>
                 </a:solidFill>
               </a:rPr>
-              <a:t>{</a:t>
+              <a:t>) {</a:t>
             </a:r>
           </a:p>
           <a:p>
@@ -7055,18 +6747,13 @@
               <a:buNone/>
             </a:pPr>
             <a:r>
-              <a:rPr lang="en-US" sz="1400" dirty="0" smtClean="0">
+              <a:rPr lang="en-US" sz="1400" dirty="0">
                 <a:solidFill>
                   <a:srgbClr val="FF0000"/>
                 </a:solidFill>
               </a:rPr>
               <a:t>}</a:t>
             </a:r>
-            <a:endParaRPr lang="en-US" sz="1400" dirty="0">
-              <a:solidFill>
-                <a:srgbClr val="FF0000"/>
-              </a:solidFill>
-            </a:endParaRPr>
           </a:p>
         </p:txBody>
       </p:sp>
@@ -7097,10 +6784,9 @@
           <a:lstStyle/>
           <a:p>
             <a:r>
-              <a:rPr lang="en-US" dirty="0" smtClean="0"/>
+              <a:rPr lang="en-US" dirty="0"/>
               <a:t>So close! Can we let the “way to sort” be a parameter to the method?</a:t>
             </a:r>
-            <a:endParaRPr lang="en-US" dirty="0"/>
           </a:p>
           <a:p>
             <a:endParaRPr lang="en-US" dirty="0"/>
@@ -7234,10 +6920,9 @@
               <a:defRPr/>
             </a:pPr>
             <a:r>
-              <a:rPr lang="en-US" dirty="0" smtClean="0"/>
+              <a:rPr lang="en-US" dirty="0"/>
               <a:t>Solution: Function Objects</a:t>
             </a:r>
-            <a:endParaRPr lang="en-US" dirty="0"/>
           </a:p>
         </p:txBody>
       </p:sp>
@@ -7259,132 +6944,115 @@
           <a:lstStyle/>
           <a:p>
             <a:r>
-              <a:rPr lang="en-US" dirty="0" smtClean="0"/>
+              <a:rPr lang="en-US" dirty="0"/>
               <a:t>Objects defined to just “wrap up” functions so we can pass them to other (library) code</a:t>
             </a:r>
           </a:p>
           <a:p>
-            <a:endParaRPr lang="en-US" dirty="0" smtClean="0"/>
-          </a:p>
-          <a:p>
-            <a:r>
-              <a:rPr lang="en-US" dirty="0" smtClean="0"/>
+            <a:endParaRPr lang="en-US" dirty="0"/>
+          </a:p>
+          <a:p>
+            <a:r>
+              <a:rPr lang="en-US" dirty="0"/>
               <a:t>For sorting we can create a function object that implements </a:t>
             </a:r>
             <a:r>
-              <a:rPr lang="en-US" dirty="0" smtClean="0">
+              <a:rPr lang="en-US" dirty="0">
                 <a:latin typeface="Lucida Sans Typewriter" charset="0"/>
                 <a:hlinkClick r:id="rId3"/>
               </a:rPr>
               <a:t>Comparator</a:t>
-            </a:r>
-            <a:endParaRPr lang="en-US" dirty="0" smtClean="0">
-              <a:latin typeface="Lucida Sans Typewriter" charset="0"/>
-            </a:endParaRPr>
-          </a:p>
-          <a:p>
-            <a:pPr marL="457200" lvl="1" indent="0">
-              <a:buNone/>
-            </a:pPr>
-            <a:r>
-              <a:rPr lang="en-US" sz="2200" dirty="0" err="1" smtClean="0">
-                <a:latin typeface="Lucida Sans Typewriter" charset="0"/>
-              </a:rPr>
-              <a:t>Arrays.sort</a:t>
-            </a:r>
-            <a:r>
-              <a:rPr lang="en-US" sz="2200" dirty="0" smtClean="0">
-                <a:latin typeface="Lucida Sans Typewriter" charset="0"/>
-              </a:rPr>
-              <a:t>(people, </a:t>
-            </a:r>
-            <a:r>
-              <a:rPr lang="en-US" sz="2200" b="1" dirty="0" smtClean="0">
-                <a:solidFill>
-                  <a:srgbClr val="FF0000"/>
-                </a:solidFill>
-                <a:latin typeface="Lucida Sans Typewriter" charset="0"/>
-              </a:rPr>
-              <a:t>new </a:t>
-            </a:r>
-            <a:r>
-              <a:rPr lang="en-US" sz="2200" b="1" dirty="0" err="1" smtClean="0">
-                <a:solidFill>
-                  <a:srgbClr val="FF0000"/>
-                </a:solidFill>
-                <a:latin typeface="Lucida Sans Typewriter" charset="0"/>
-              </a:rPr>
-              <a:t>ByAgeComparator</a:t>
-            </a:r>
-            <a:r>
-              <a:rPr lang="en-US" sz="2200" b="1" dirty="0" smtClean="0">
-                <a:solidFill>
-                  <a:srgbClr val="FF0000"/>
-                </a:solidFill>
-                <a:latin typeface="Lucida Sans Typewriter" charset="0"/>
-              </a:rPr>
-              <a:t>()</a:t>
-            </a:r>
-            <a:r>
-              <a:rPr lang="en-US" sz="2200" dirty="0" smtClean="0">
-                <a:latin typeface="Lucida Sans Typewriter" charset="0"/>
-              </a:rPr>
-              <a:t>)</a:t>
             </a:r>
             <a:endParaRPr lang="en-US" dirty="0">
               <a:latin typeface="Lucida Sans Typewriter" charset="0"/>
             </a:endParaRPr>
           </a:p>
           <a:p>
-            <a:endParaRPr lang="en-US" dirty="0" smtClean="0"/>
-          </a:p>
-          <a:p>
-            <a:r>
-              <a:rPr lang="en-US" dirty="0" smtClean="0"/>
-              <a:t>What </a:t>
-            </a:r>
+            <a:pPr marL="457200" lvl="1" indent="0">
+              <a:buNone/>
+            </a:pPr>
+            <a:r>
+              <a:rPr lang="en-US" sz="2200" dirty="0" err="1">
+                <a:latin typeface="Lucida Sans Typewriter" charset="0"/>
+              </a:rPr>
+              <a:t>Arrays.sort</a:t>
+            </a:r>
+            <a:r>
+              <a:rPr lang="en-US" sz="2200" dirty="0">
+                <a:latin typeface="Lucida Sans Typewriter" charset="0"/>
+              </a:rPr>
+              <a:t>(people, </a:t>
+            </a:r>
+            <a:r>
+              <a:rPr lang="en-US" sz="2200" b="1" dirty="0">
+                <a:solidFill>
+                  <a:srgbClr val="FF0000"/>
+                </a:solidFill>
+                <a:latin typeface="Lucida Sans Typewriter" charset="0"/>
+              </a:rPr>
+              <a:t>new </a:t>
+            </a:r>
+            <a:r>
+              <a:rPr lang="en-US" sz="2200" b="1" dirty="0" err="1">
+                <a:solidFill>
+                  <a:srgbClr val="FF0000"/>
+                </a:solidFill>
+                <a:latin typeface="Lucida Sans Typewriter" charset="0"/>
+              </a:rPr>
+              <a:t>ByAgeComparator</a:t>
+            </a:r>
+            <a:r>
+              <a:rPr lang="en-US" sz="2200" b="1" dirty="0">
+                <a:solidFill>
+                  <a:srgbClr val="FF0000"/>
+                </a:solidFill>
+                <a:latin typeface="Lucida Sans Typewriter" charset="0"/>
+              </a:rPr>
+              <a:t>()</a:t>
+            </a:r>
+            <a:r>
+              <a:rPr lang="en-US" sz="2200" dirty="0">
+                <a:latin typeface="Lucida Sans Typewriter" charset="0"/>
+              </a:rPr>
+              <a:t>)</a:t>
+            </a:r>
+            <a:endParaRPr lang="en-US" dirty="0">
+              <a:latin typeface="Lucida Sans Typewriter" charset="0"/>
+            </a:endParaRPr>
+          </a:p>
+          <a:p>
+            <a:endParaRPr lang="en-US" dirty="0"/>
+          </a:p>
+          <a:p>
             <a:r>
               <a:rPr lang="en-US" dirty="0"/>
-              <a:t>goes </a:t>
-            </a:r>
-            <a:r>
-              <a:rPr lang="en-US" dirty="0" smtClean="0"/>
-              <a:t>into the </a:t>
-            </a:r>
-            <a:r>
-              <a:rPr lang="en-US" dirty="0" err="1" smtClean="0"/>
+              <a:t>What goes into the </a:t>
+            </a:r>
+            <a:r>
+              <a:rPr lang="en-US" dirty="0" err="1"/>
               <a:t>ByAgeComparator</a:t>
             </a:r>
             <a:r>
               <a:rPr lang="en-US" dirty="0"/>
-              <a:t> </a:t>
-            </a:r>
-            <a:r>
-              <a:rPr lang="en-US" dirty="0" smtClean="0"/>
-              <a:t>class? </a:t>
-            </a:r>
-            <a:endParaRPr lang="en-US" dirty="0"/>
+              <a:t> class? </a:t>
+            </a:r>
           </a:p>
           <a:p>
             <a:r>
               <a:rPr lang="en-US" dirty="0"/>
-              <a:t>Let’s try </a:t>
-            </a:r>
-            <a:r>
-              <a:rPr lang="en-US" dirty="0" smtClean="0"/>
-              <a:t>it! </a:t>
-            </a:r>
-          </a:p>
-          <a:p>
-            <a:r>
-              <a:rPr lang="en-US" dirty="0" smtClean="0"/>
+              <a:t>Let’s try it! </a:t>
+            </a:r>
+          </a:p>
+          <a:p>
+            <a:r>
+              <a:rPr lang="en-US" dirty="0"/>
               <a:t>Examples on next slide if you </a:t>
             </a:r>
             <a:r>
-              <a:rPr lang="en-US" smtClean="0"/>
+              <a:rPr lang="en-US"/>
               <a:t>get stuck</a:t>
             </a:r>
-            <a:endParaRPr lang="en-US" dirty="0" smtClean="0">
+            <a:endParaRPr lang="en-US" dirty="0">
               <a:latin typeface="Lucida Sans Typewriter" charset="0"/>
             </a:endParaRPr>
           </a:p>
@@ -7407,13 +7075,6 @@
       </p:transition>
     </mc:Fallback>
   </mc:AlternateContent>
-  <p:timing>
-    <p:tnLst>
-      <p:par>
-        <p:cTn id="1" dur="indefinite" restart="never" nodeType="tmRoot"/>
-      </p:par>
-    </p:tnLst>
-  </p:timing>
 </p:sld>
 </file>
 
@@ -7450,10 +7111,9 @@
           <a:lstStyle/>
           <a:p>
             <a:r>
-              <a:rPr lang="en-US" dirty="0" smtClean="0"/>
+              <a:rPr lang="en-US" dirty="0"/>
               <a:t>Examples</a:t>
             </a:r>
-            <a:endParaRPr lang="en-US" dirty="0"/>
           </a:p>
         </p:txBody>
       </p:sp>
@@ -7483,22 +7143,13 @@
               <a:buNone/>
             </a:pPr>
             <a:r>
-              <a:rPr lang="en-US" sz="1100" dirty="0" smtClean="0">
+              <a:rPr lang="en-US" sz="1100" dirty="0">
                 <a:solidFill>
                   <a:srgbClr val="000000"/>
                 </a:solidFill>
                 <a:latin typeface="Monaco" charset="0"/>
               </a:rPr>
-              <a:t>String</a:t>
-            </a:r>
-            <a:r>
-              <a:rPr lang="en-US" sz="1100" dirty="0">
-                <a:solidFill>
-                  <a:srgbClr val="000000"/>
-                </a:solidFill>
-                <a:latin typeface="Monaco" charset="0"/>
-              </a:rPr>
-              <a:t>[] </a:t>
+              <a:t>String[] </a:t>
             </a:r>
             <a:r>
               <a:rPr lang="en-US" sz="1100" dirty="0">
@@ -7779,7 +7430,7 @@
             <a:pPr marL="0" indent="0">
               <a:buNone/>
             </a:pPr>
-            <a:endParaRPr lang="en-US" sz="1100" dirty="0" smtClean="0">
+            <a:endParaRPr lang="en-US" sz="1100" dirty="0">
               <a:latin typeface="Monaco" charset="0"/>
             </a:endParaRPr>
           </a:p>
@@ -7788,16 +7439,10 @@
               <a:buNone/>
             </a:pPr>
             <a:r>
-              <a:rPr lang="en-US" sz="1100" dirty="0" smtClean="0">
-                <a:latin typeface="Monaco" charset="0"/>
-              </a:rPr>
-              <a:t>Comparator&lt;String</a:t>
-            </a:r>
-            <a:r>
-              <a:rPr lang="en-US" sz="1100" dirty="0">
-                <a:latin typeface="Monaco" charset="0"/>
-              </a:rPr>
-              <a:t>&gt; </a:t>
+              <a:rPr lang="en-US" sz="1100" dirty="0">
+                <a:latin typeface="Monaco" charset="0"/>
+              </a:rPr>
+              <a:t>Comparator&lt;String&gt; </a:t>
             </a:r>
             <a:r>
               <a:rPr lang="en-US" sz="1100" dirty="0" err="1">
@@ -8729,13 +8374,6 @@
   <p:clrMapOvr>
     <a:masterClrMapping/>
   </p:clrMapOvr>
-  <p:timing>
-    <p:tnLst>
-      <p:par>
-        <p:cTn id="1" dur="indefinite" restart="never" nodeType="tmRoot"/>
-      </p:par>
-    </p:tnLst>
-  </p:timing>
 </p:sld>
 </file>
 

--- a/ClassMaterials/Comparators/Slides/ComparableComparator.pptx
+++ b/ClassMaterials/Comparators/Slides/ComparableComparator.pptx
@@ -5,10 +5,10 @@
     <p:sldMasterId id="2147484539" r:id="rId1"/>
   </p:sldMasterIdLst>
   <p:notesMasterIdLst>
-    <p:notesMasterId r:id="rId10"/>
+    <p:notesMasterId r:id="rId16"/>
   </p:notesMasterIdLst>
   <p:handoutMasterIdLst>
-    <p:handoutMasterId r:id="rId11"/>
+    <p:handoutMasterId r:id="rId17"/>
   </p:handoutMasterIdLst>
   <p:sldIdLst>
     <p:sldId id="256" r:id="rId2"/>
@@ -19,6 +19,12 @@
     <p:sldId id="304" r:id="rId7"/>
     <p:sldId id="281" r:id="rId8"/>
     <p:sldId id="303" r:id="rId9"/>
+    <p:sldId id="309" r:id="rId10"/>
+    <p:sldId id="271" r:id="rId11"/>
+    <p:sldId id="308" r:id="rId12"/>
+    <p:sldId id="307" r:id="rId13"/>
+    <p:sldId id="305" r:id="rId14"/>
+    <p:sldId id="306" r:id="rId15"/>
   </p:sldIdLst>
   <p:sldSz cx="9144000" cy="6858000" type="screen4x3"/>
   <p:notesSz cx="7315200" cy="9601200"/>
@@ -283,7 +289,7 @@
               <a:pPr>
                 <a:defRPr/>
               </a:pPr>
-              <a:t>2/24/22</a:t>
+              <a:t>5/16/2022</a:t>
             </a:fld>
             <a:endParaRPr lang="en-US"/>
           </a:p>
@@ -518,7 +524,7 @@
               <a:pPr>
                 <a:defRPr/>
               </a:pPr>
-              <a:t>2/24/22</a:t>
+              <a:t>5/16/2022</a:t>
             </a:fld>
             <a:endParaRPr lang="en-US"/>
           </a:p>
@@ -1489,6 +1495,130 @@
 </p:notes>
 </file>
 
+<file path=ppt/notesSlides/notesSlide6.xml><?xml version="1.0" encoding="utf-8"?>
+<p:notes xmlns:a="http://schemas.openxmlformats.org/drawingml/2006/main" xmlns:r="http://schemas.openxmlformats.org/officeDocument/2006/relationships" xmlns:p="http://schemas.openxmlformats.org/presentationml/2006/main">
+  <p:cSld>
+    <p:spTree>
+      <p:nvGrpSpPr>
+        <p:cNvPr id="1" name=""/>
+        <p:cNvGrpSpPr/>
+        <p:nvPr/>
+      </p:nvGrpSpPr>
+      <p:grpSpPr>
+        <a:xfrm>
+          <a:off x="0" y="0"/>
+          <a:ext cx="0" cy="0"/>
+          <a:chOff x="0" y="0"/>
+          <a:chExt cx="0" cy="0"/>
+        </a:xfrm>
+      </p:grpSpPr>
+      <p:sp>
+        <p:nvSpPr>
+          <p:cNvPr id="182" name="PlaceHolder 1"/>
+          <p:cNvSpPr>
+            <a:spLocks noGrp="1"/>
+          </p:cNvSpPr>
+          <p:nvPr>
+            <p:ph type="body"/>
+          </p:nvPr>
+        </p:nvSpPr>
+        <p:spPr>
+          <a:xfrm>
+            <a:off x="688320" y="4415760"/>
+            <a:ext cx="5505120" cy="4183200"/>
+          </a:xfrm>
+          <a:prstGeom prst="rect">
+            <a:avLst/>
+          </a:prstGeom>
+        </p:spPr>
+        <p:txBody>
+          <a:bodyPr lIns="92520" tIns="46080" rIns="92520" bIns="46080"/>
+          <a:lstStyle/>
+          <a:p>
+            <a:endParaRPr lang="en-US" sz="2000" b="0" strike="noStrike" spc="-1">
+              <a:solidFill>
+                <a:srgbClr val="000000"/>
+              </a:solidFill>
+              <a:uFill>
+                <a:solidFill>
+                  <a:srgbClr val="FFFFFF"/>
+                </a:solidFill>
+              </a:uFill>
+              <a:latin typeface="Arial"/>
+            </a:endParaRPr>
+          </a:p>
+        </p:txBody>
+      </p:sp>
+      <p:sp>
+        <p:nvSpPr>
+          <p:cNvPr id="183" name="TextShape 2"/>
+          <p:cNvSpPr txBox="1"/>
+          <p:nvPr/>
+        </p:nvSpPr>
+        <p:spPr>
+          <a:xfrm>
+            <a:off x="3898080" y="8830080"/>
+            <a:ext cx="2981880" cy="464400"/>
+          </a:xfrm>
+          <a:prstGeom prst="rect">
+            <a:avLst/>
+          </a:prstGeom>
+          <a:noFill/>
+          <a:ln>
+            <a:noFill/>
+          </a:ln>
+        </p:spPr>
+        <p:txBody>
+          <a:bodyPr lIns="92520" tIns="46080" rIns="92520" bIns="46080" anchor="b"/>
+          <a:lstStyle/>
+          <a:p>
+            <a:pPr algn="r">
+              <a:lnSpc>
+                <a:spcPct val="100000"/>
+              </a:lnSpc>
+            </a:pPr>
+            <a:fld id="{AB2F3042-A942-4879-A760-7EC426577655}" type="slidenum">
+              <a:rPr lang="en-US" sz="1200" b="0" strike="noStrike" spc="-1">
+                <a:solidFill>
+                  <a:srgbClr val="000000"/>
+                </a:solidFill>
+                <a:uFill>
+                  <a:solidFill>
+                    <a:srgbClr val="FFFFFF"/>
+                  </a:solidFill>
+                </a:uFill>
+                <a:latin typeface="+mn-lt"/>
+                <a:ea typeface="+mn-ea"/>
+              </a:rPr>
+              <a:t>10</a:t>
+            </a:fld>
+            <a:endParaRPr lang="en-US" sz="1400" b="0" strike="noStrike" spc="-1">
+              <a:solidFill>
+                <a:srgbClr val="000000"/>
+              </a:solidFill>
+              <a:uFill>
+                <a:solidFill>
+                  <a:srgbClr val="FFFFFF"/>
+                </a:solidFill>
+              </a:uFill>
+              <a:latin typeface="Times New Roman"/>
+            </a:endParaRPr>
+          </a:p>
+        </p:txBody>
+      </p:sp>
+    </p:spTree>
+    <p:extLst>
+      <p:ext uri="{BB962C8B-B14F-4D97-AF65-F5344CB8AC3E}">
+        <p14:creationId xmlns:p14="http://schemas.microsoft.com/office/powerpoint/2010/main" val="946763964"/>
+      </p:ext>
+    </p:extLst>
+  </p:cSld>
+  <p:clrMapOvr>
+    <a:masterClrMapping/>
+  </p:clrMapOvr>
+</p:notes>
+</file>
+
 <file path=ppt/slideLayouts/slideLayout1.xml><?xml version="1.0" encoding="utf-8"?>
 <p:sldLayout xmlns:a="http://schemas.openxmlformats.org/drawingml/2006/main" xmlns:r="http://schemas.openxmlformats.org/officeDocument/2006/relationships" xmlns:p="http://schemas.openxmlformats.org/presentationml/2006/main" type="title" preserve="1">
   <p:cSld name="Title Slide">
@@ -1674,7 +1804,7 @@
               <a:pPr>
                 <a:defRPr/>
               </a:pPr>
-              <a:t>Thursday, February 24, 2022</a:t>
+              <a:t>Monday, May 16, 2022</a:t>
             </a:fld>
             <a:endParaRPr lang="en-US" dirty="0"/>
           </a:p>
@@ -1857,7 +1987,7 @@
               <a:pPr>
                 <a:defRPr/>
               </a:pPr>
-              <a:t>Thursday, February 24, 2022</a:t>
+              <a:t>Monday, May 16, 2022</a:t>
             </a:fld>
             <a:endParaRPr lang="en-US" dirty="0"/>
           </a:p>
@@ -2050,7 +2180,7 @@
               <a:pPr>
                 <a:defRPr/>
               </a:pPr>
-              <a:t>Thursday, February 24, 2022</a:t>
+              <a:t>Monday, May 16, 2022</a:t>
             </a:fld>
             <a:endParaRPr lang="en-US" dirty="0"/>
           </a:p>
@@ -2233,7 +2363,7 @@
               <a:pPr>
                 <a:defRPr/>
               </a:pPr>
-              <a:t>Thursday, February 24, 2022</a:t>
+              <a:t>Monday, May 16, 2022</a:t>
             </a:fld>
             <a:endParaRPr lang="en-US" dirty="0"/>
           </a:p>
@@ -2493,7 +2623,7 @@
               <a:pPr>
                 <a:defRPr/>
               </a:pPr>
-              <a:t>Thursday, February 24, 2022</a:t>
+              <a:t>Monday, May 16, 2022</a:t>
             </a:fld>
             <a:endParaRPr lang="en-US"/>
           </a:p>
@@ -2793,7 +2923,7 @@
               <a:pPr>
                 <a:defRPr/>
               </a:pPr>
-              <a:t>Thursday, February 24, 2022</a:t>
+              <a:t>Monday, May 16, 2022</a:t>
             </a:fld>
             <a:endParaRPr lang="en-US"/>
           </a:p>
@@ -3227,7 +3357,7 @@
               <a:pPr>
                 <a:defRPr/>
               </a:pPr>
-              <a:t>Thursday, February 24, 2022</a:t>
+              <a:t>Monday, May 16, 2022</a:t>
             </a:fld>
             <a:endParaRPr lang="en-US"/>
           </a:p>
@@ -3359,7 +3489,7 @@
               <a:pPr>
                 <a:defRPr/>
               </a:pPr>
-              <a:t>Thursday, February 24, 2022</a:t>
+              <a:t>Monday, May 16, 2022</a:t>
             </a:fld>
             <a:endParaRPr lang="en-US"/>
           </a:p>
@@ -3469,7 +3599,7 @@
               <a:pPr>
                 <a:defRPr/>
               </a:pPr>
-              <a:t>Thursday, February 24, 2022</a:t>
+              <a:t>Monday, May 16, 2022</a:t>
             </a:fld>
             <a:endParaRPr lang="en-US" dirty="0"/>
           </a:p>
@@ -3759,7 +3889,7 @@
               <a:pPr>
                 <a:defRPr/>
               </a:pPr>
-              <a:t>Thursday, February 24, 2022</a:t>
+              <a:t>Monday, May 16, 2022</a:t>
             </a:fld>
             <a:endParaRPr lang="en-US"/>
           </a:p>
@@ -4026,7 +4156,7 @@
               <a:pPr>
                 <a:defRPr/>
               </a:pPr>
-              <a:t>Thursday, February 24, 2022</a:t>
+              <a:t>Monday, May 16, 2022</a:t>
             </a:fld>
             <a:endParaRPr lang="en-US"/>
           </a:p>
@@ -4252,7 +4382,7 @@
               <a:pPr>
                 <a:defRPr/>
               </a:pPr>
-              <a:t>Thursday, February 24, 2022</a:t>
+              <a:t>Monday, May 16, 2022</a:t>
             </a:fld>
             <a:endParaRPr lang="en-US" dirty="0"/>
           </a:p>
@@ -4812,6 +4942,1429 @@
 </p:sld>
 </file>
 
+<file path=ppt/slides/slide10.xml><?xml version="1.0" encoding="utf-8"?>
+<p:sld xmlns:a="http://schemas.openxmlformats.org/drawingml/2006/main" xmlns:r="http://schemas.openxmlformats.org/officeDocument/2006/relationships" xmlns:p="http://schemas.openxmlformats.org/presentationml/2006/main">
+  <p:cSld>
+    <p:spTree>
+      <p:nvGrpSpPr>
+        <p:cNvPr id="1" name=""/>
+        <p:cNvGrpSpPr/>
+        <p:nvPr/>
+      </p:nvGrpSpPr>
+      <p:grpSpPr>
+        <a:xfrm>
+          <a:off x="0" y="0"/>
+          <a:ext cx="0" cy="0"/>
+          <a:chOff x="0" y="0"/>
+          <a:chExt cx="0" cy="0"/>
+        </a:xfrm>
+      </p:grpSpPr>
+      <p:sp>
+        <p:nvSpPr>
+          <p:cNvPr id="125" name="TextShape 1"/>
+          <p:cNvSpPr txBox="1"/>
+          <p:nvPr/>
+        </p:nvSpPr>
+        <p:spPr>
+          <a:xfrm>
+            <a:off x="457200" y="274680"/>
+            <a:ext cx="8229240" cy="1142640"/>
+          </a:xfrm>
+          <a:prstGeom prst="rect">
+            <a:avLst/>
+          </a:prstGeom>
+          <a:noFill/>
+          <a:ln>
+            <a:noFill/>
+          </a:ln>
+        </p:spPr>
+        <p:txBody>
+          <a:bodyPr anchor="ctr"/>
+          <a:lstStyle/>
+          <a:p>
+            <a:pPr algn="ctr">
+              <a:lnSpc>
+                <a:spcPct val="100000"/>
+              </a:lnSpc>
+            </a:pPr>
+            <a:r>
+              <a:rPr lang="en-US" sz="4400" b="0" strike="noStrike" spc="-1">
+                <a:solidFill>
+                  <a:srgbClr val="000000"/>
+                </a:solidFill>
+                <a:uFill>
+                  <a:solidFill>
+                    <a:srgbClr val="FFFFFF"/>
+                  </a:solidFill>
+                </a:uFill>
+                <a:latin typeface="Calibri"/>
+              </a:rPr>
+              <a:t>Student Evaluations</a:t>
+            </a:r>
+            <a:endParaRPr lang="en-US" sz="1800" b="0" strike="noStrike" spc="-1">
+              <a:solidFill>
+                <a:srgbClr val="000000"/>
+              </a:solidFill>
+              <a:uFill>
+                <a:solidFill>
+                  <a:srgbClr val="FFFFFF"/>
+                </a:solidFill>
+              </a:uFill>
+              <a:latin typeface="Calibri"/>
+            </a:endParaRPr>
+          </a:p>
+        </p:txBody>
+      </p:sp>
+      <p:sp>
+        <p:nvSpPr>
+          <p:cNvPr id="126" name="TextShape 2"/>
+          <p:cNvSpPr txBox="1"/>
+          <p:nvPr/>
+        </p:nvSpPr>
+        <p:spPr>
+          <a:xfrm>
+            <a:off x="457200" y="1600200"/>
+            <a:ext cx="8229240" cy="4525560"/>
+          </a:xfrm>
+          <a:prstGeom prst="rect">
+            <a:avLst/>
+          </a:prstGeom>
+          <a:noFill/>
+          <a:ln>
+            <a:noFill/>
+          </a:ln>
+        </p:spPr>
+        <p:txBody>
+          <a:bodyPr/>
+          <a:lstStyle/>
+          <a:p>
+            <a:pPr marL="343080" indent="-342720">
+              <a:lnSpc>
+                <a:spcPct val="100000"/>
+              </a:lnSpc>
+              <a:buClr>
+                <a:srgbClr val="000000"/>
+              </a:buClr>
+              <a:buFont typeface="Arial"/>
+              <a:buChar char="•"/>
+            </a:pPr>
+            <a:r>
+              <a:rPr lang="en-US" sz="3200" b="0" strike="noStrike" spc="-1" dirty="0">
+                <a:solidFill>
+                  <a:srgbClr val="000000"/>
+                </a:solidFill>
+                <a:uFill>
+                  <a:solidFill>
+                    <a:srgbClr val="FFFFFF"/>
+                  </a:solidFill>
+                </a:uFill>
+                <a:latin typeface="Calibri"/>
+              </a:rPr>
+              <a:t>The school treats these very seriously</a:t>
+            </a:r>
+          </a:p>
+          <a:p>
+            <a:pPr marL="343080" indent="-342720">
+              <a:lnSpc>
+                <a:spcPct val="100000"/>
+              </a:lnSpc>
+              <a:buClr>
+                <a:srgbClr val="000000"/>
+              </a:buClr>
+              <a:buFont typeface="Arial"/>
+              <a:buChar char="•"/>
+            </a:pPr>
+            <a:r>
+              <a:rPr lang="en-US" sz="3200" spc="-1" dirty="0">
+                <a:solidFill>
+                  <a:srgbClr val="000000"/>
+                </a:solidFill>
+                <a:uFill>
+                  <a:solidFill>
+                    <a:srgbClr val="FFFFFF"/>
+                  </a:solidFill>
+                </a:uFill>
+                <a:latin typeface="Calibri"/>
+              </a:rPr>
+              <a:t>We</a:t>
+            </a:r>
+            <a:r>
+              <a:rPr lang="en-US" sz="3200" b="0" strike="noStrike" spc="-1" dirty="0">
+                <a:solidFill>
+                  <a:srgbClr val="000000"/>
+                </a:solidFill>
+                <a:uFill>
+                  <a:solidFill>
+                    <a:srgbClr val="FFFFFF"/>
+                  </a:solidFill>
+                </a:uFill>
+                <a:latin typeface="Calibri"/>
+              </a:rPr>
+              <a:t> treat them very seriously too...usually reading them multiple times</a:t>
+            </a:r>
+          </a:p>
+          <a:p>
+            <a:pPr marL="343080" indent="-342720">
+              <a:lnSpc>
+                <a:spcPct val="100000"/>
+              </a:lnSpc>
+              <a:buClr>
+                <a:srgbClr val="000000"/>
+              </a:buClr>
+              <a:buFont typeface="Arial"/>
+              <a:buChar char="•"/>
+            </a:pPr>
+            <a:r>
+              <a:rPr lang="en-US" sz="3200" b="0" strike="noStrike" spc="-1" dirty="0">
+                <a:solidFill>
+                  <a:srgbClr val="000000"/>
+                </a:solidFill>
+                <a:uFill>
+                  <a:solidFill>
+                    <a:srgbClr val="FFFFFF"/>
+                  </a:solidFill>
+                </a:uFill>
+                <a:latin typeface="Calibri"/>
+              </a:rPr>
+              <a:t>Try to be as honest and detailed as you can</a:t>
+            </a:r>
+          </a:p>
+          <a:p>
+            <a:pPr marL="343080" indent="-342720">
+              <a:lnSpc>
+                <a:spcPct val="100000"/>
+              </a:lnSpc>
+              <a:buClr>
+                <a:srgbClr val="000000"/>
+              </a:buClr>
+              <a:buFont typeface="Arial"/>
+              <a:buChar char="•"/>
+            </a:pPr>
+            <a:r>
+              <a:rPr lang="en-US" sz="3200" b="0" strike="noStrike" spc="-1" dirty="0">
+                <a:solidFill>
+                  <a:srgbClr val="000000"/>
+                </a:solidFill>
+                <a:uFill>
+                  <a:solidFill>
+                    <a:srgbClr val="FFFFFF"/>
+                  </a:solidFill>
+                </a:uFill>
+                <a:latin typeface="Calibri"/>
+              </a:rPr>
+              <a:t>If you liked the course, don’t say nice things about us (though we like that of course), tell me what topics you thought were most exciting or useful</a:t>
+            </a:r>
+          </a:p>
+        </p:txBody>
+      </p:sp>
+    </p:spTree>
+    <p:extLst>
+      <p:ext uri="{BB962C8B-B14F-4D97-AF65-F5344CB8AC3E}">
+        <p14:creationId xmlns:p14="http://schemas.microsoft.com/office/powerpoint/2010/main" val="460806378"/>
+      </p:ext>
+    </p:extLst>
+  </p:cSld>
+  <p:clrMapOvr>
+    <a:masterClrMapping/>
+  </p:clrMapOvr>
+  <p:timing>
+    <p:tnLst>
+      <p:par>
+        <p:cTn id="1" dur="indefinite" restart="never" nodeType="tmRoot">
+          <p:childTnLst>
+            <p:seq>
+              <p:cTn id="2" nodeType="mainSeq"/>
+              <p:prevCondLst>
+                <p:cond evt="onPrev" delay="0">
+                  <p:tgtEl>
+                    <p:sldTgt/>
+                  </p:tgtEl>
+                </p:cond>
+              </p:prevCondLst>
+              <p:nextCondLst>
+                <p:cond evt="onNext" delay="0">
+                  <p:tgtEl>
+                    <p:sldTgt/>
+                  </p:tgtEl>
+                </p:cond>
+              </p:nextCondLst>
+            </p:seq>
+          </p:childTnLst>
+        </p:cTn>
+      </p:par>
+    </p:tnLst>
+  </p:timing>
+</p:sld>
+</file>
+
+<file path=ppt/slides/slide11.xml><?xml version="1.0" encoding="utf-8"?>
+<p:sld xmlns:a="http://schemas.openxmlformats.org/drawingml/2006/main" xmlns:r="http://schemas.openxmlformats.org/officeDocument/2006/relationships" xmlns:p="http://schemas.openxmlformats.org/presentationml/2006/main">
+  <p:cSld>
+    <p:spTree>
+      <p:nvGrpSpPr>
+        <p:cNvPr id="1" name=""/>
+        <p:cNvGrpSpPr/>
+        <p:nvPr/>
+      </p:nvGrpSpPr>
+      <p:grpSpPr>
+        <a:xfrm>
+          <a:off x="0" y="0"/>
+          <a:ext cx="0" cy="0"/>
+          <a:chOff x="0" y="0"/>
+          <a:chExt cx="0" cy="0"/>
+        </a:xfrm>
+      </p:grpSpPr>
+      <p:sp>
+        <p:nvSpPr>
+          <p:cNvPr id="2" name="Title 1">
+            <a:extLst>
+              <a:ext uri="{FF2B5EF4-FFF2-40B4-BE49-F238E27FC236}">
+                <a16:creationId xmlns:a16="http://schemas.microsoft.com/office/drawing/2014/main" id="{9D44E015-6C54-C518-5198-0BC7C2F30D60}"/>
+              </a:ext>
+            </a:extLst>
+          </p:cNvPr>
+          <p:cNvSpPr>
+            <a:spLocks noGrp="1"/>
+          </p:cNvSpPr>
+          <p:nvPr>
+            <p:ph type="title"/>
+          </p:nvPr>
+        </p:nvSpPr>
+        <p:spPr/>
+        <p:txBody>
+          <a:bodyPr/>
+          <a:lstStyle/>
+          <a:p>
+            <a:r>
+              <a:rPr lang="en-US" b="1" dirty="0">
+                <a:latin typeface="Times New Roman" panose="02020603050405020304" pitchFamily="18" charset="0"/>
+                <a:cs typeface="Times New Roman" panose="02020603050405020304" pitchFamily="18" charset="0"/>
+              </a:rPr>
+              <a:t>Final Exam Preparation</a:t>
+            </a:r>
+          </a:p>
+        </p:txBody>
+      </p:sp>
+      <p:sp>
+        <p:nvSpPr>
+          <p:cNvPr id="3" name="Content Placeholder 2">
+            <a:extLst>
+              <a:ext uri="{FF2B5EF4-FFF2-40B4-BE49-F238E27FC236}">
+                <a16:creationId xmlns:a16="http://schemas.microsoft.com/office/drawing/2014/main" id="{5BF40965-DCB3-3F42-00D2-CDA949181BB1}"/>
+              </a:ext>
+            </a:extLst>
+          </p:cNvPr>
+          <p:cNvSpPr>
+            <a:spLocks noGrp="1"/>
+          </p:cNvSpPr>
+          <p:nvPr>
+            <p:ph idx="1"/>
+          </p:nvPr>
+        </p:nvSpPr>
+        <p:spPr/>
+        <p:txBody>
+          <a:bodyPr>
+            <a:normAutofit/>
+          </a:bodyPr>
+          <a:lstStyle/>
+          <a:p>
+            <a:r>
+              <a:rPr lang="en-US" sz="4000" b="1" dirty="0"/>
+              <a:t>Take-Home Final Exam</a:t>
+            </a:r>
+          </a:p>
+          <a:p>
+            <a:r>
+              <a:rPr lang="en-US" sz="4000" b="1" dirty="0"/>
+              <a:t>Written Final Exam (final exam slot)</a:t>
+            </a:r>
+          </a:p>
+          <a:p>
+            <a:r>
+              <a:rPr lang="en-US" sz="4000" b="1" dirty="0"/>
+              <a:t>Coding Final Exam (final exam slot)</a:t>
+            </a:r>
+          </a:p>
+        </p:txBody>
+      </p:sp>
+    </p:spTree>
+    <p:extLst>
+      <p:ext uri="{BB962C8B-B14F-4D97-AF65-F5344CB8AC3E}">
+        <p14:creationId xmlns:p14="http://schemas.microsoft.com/office/powerpoint/2010/main" val="1209344427"/>
+      </p:ext>
+    </p:extLst>
+  </p:cSld>
+  <p:clrMapOvr>
+    <a:masterClrMapping/>
+  </p:clrMapOvr>
+</p:sld>
+</file>
+
+<file path=ppt/slides/slide12.xml><?xml version="1.0" encoding="utf-8"?>
+<p:sld xmlns:a="http://schemas.openxmlformats.org/drawingml/2006/main" xmlns:r="http://schemas.openxmlformats.org/officeDocument/2006/relationships" xmlns:p="http://schemas.openxmlformats.org/presentationml/2006/main">
+  <p:cSld>
+    <p:spTree>
+      <p:nvGrpSpPr>
+        <p:cNvPr id="1" name=""/>
+        <p:cNvGrpSpPr/>
+        <p:nvPr/>
+      </p:nvGrpSpPr>
+      <p:grpSpPr>
+        <a:xfrm>
+          <a:off x="0" y="0"/>
+          <a:ext cx="0" cy="0"/>
+          <a:chOff x="0" y="0"/>
+          <a:chExt cx="0" cy="0"/>
+        </a:xfrm>
+      </p:grpSpPr>
+      <p:sp>
+        <p:nvSpPr>
+          <p:cNvPr id="2" name="Title 1">
+            <a:extLst>
+              <a:ext uri="{FF2B5EF4-FFF2-40B4-BE49-F238E27FC236}">
+                <a16:creationId xmlns:a16="http://schemas.microsoft.com/office/drawing/2014/main" id="{634DC018-2F6B-2F9B-144C-4B856B98061B}"/>
+              </a:ext>
+            </a:extLst>
+          </p:cNvPr>
+          <p:cNvSpPr>
+            <a:spLocks noGrp="1"/>
+          </p:cNvSpPr>
+          <p:nvPr>
+            <p:ph type="title"/>
+          </p:nvPr>
+        </p:nvSpPr>
+        <p:spPr/>
+        <p:txBody>
+          <a:bodyPr>
+            <a:normAutofit/>
+          </a:bodyPr>
+          <a:lstStyle/>
+          <a:p>
+            <a:r>
+              <a:rPr lang="en-US" sz="4400" b="1" i="0" u="none" strike="noStrike" dirty="0">
+                <a:solidFill>
+                  <a:srgbClr val="000000"/>
+                </a:solidFill>
+                <a:effectLst/>
+                <a:latin typeface="Times New Roman" panose="02020603050405020304" pitchFamily="18" charset="0"/>
+              </a:rPr>
+              <a:t>Graphics Part (Take-Home)</a:t>
+            </a:r>
+            <a:endParaRPr lang="en-US" dirty="0"/>
+          </a:p>
+        </p:txBody>
+      </p:sp>
+      <p:sp>
+        <p:nvSpPr>
+          <p:cNvPr id="3" name="Content Placeholder 2">
+            <a:extLst>
+              <a:ext uri="{FF2B5EF4-FFF2-40B4-BE49-F238E27FC236}">
+                <a16:creationId xmlns:a16="http://schemas.microsoft.com/office/drawing/2014/main" id="{A7BFB6E5-C164-25C8-6773-392A77969383}"/>
+              </a:ext>
+            </a:extLst>
+          </p:cNvPr>
+          <p:cNvSpPr>
+            <a:spLocks noGrp="1"/>
+          </p:cNvSpPr>
+          <p:nvPr>
+            <p:ph idx="1"/>
+          </p:nvPr>
+        </p:nvSpPr>
+        <p:spPr/>
+        <p:txBody>
+          <a:bodyPr>
+            <a:normAutofit lnSpcReduction="10000"/>
+          </a:bodyPr>
+          <a:lstStyle/>
+          <a:p>
+            <a:pPr rtl="0" fontAlgn="base">
+              <a:spcBef>
+                <a:spcPts val="0"/>
+              </a:spcBef>
+              <a:spcAft>
+                <a:spcPts val="0"/>
+              </a:spcAft>
+              <a:buFont typeface="Arial" panose="020B0604020202020204" pitchFamily="34" charset="0"/>
+              <a:buChar char="•"/>
+            </a:pPr>
+            <a:r>
+              <a:rPr lang="en-US" sz="4000" b="0" i="0" u="none" strike="noStrike" dirty="0">
+                <a:solidFill>
+                  <a:srgbClr val="000000"/>
+                </a:solidFill>
+                <a:effectLst/>
+                <a:latin typeface="+mj-lt"/>
+              </a:rPr>
+              <a:t>Event driven</a:t>
+            </a:r>
+          </a:p>
+          <a:p>
+            <a:pPr rtl="0" fontAlgn="base">
+              <a:spcBef>
+                <a:spcPts val="0"/>
+              </a:spcBef>
+              <a:spcAft>
+                <a:spcPts val="0"/>
+              </a:spcAft>
+              <a:buFont typeface="Arial" panose="020B0604020202020204" pitchFamily="34" charset="0"/>
+              <a:buChar char="•"/>
+            </a:pPr>
+            <a:r>
+              <a:rPr lang="en-US" sz="4000" b="0" i="0" u="none" strike="noStrike" dirty="0">
+                <a:solidFill>
+                  <a:srgbClr val="000000"/>
+                </a:solidFill>
+                <a:effectLst/>
+                <a:latin typeface="+mj-lt"/>
+              </a:rPr>
+              <a:t>Timer events</a:t>
+            </a:r>
+          </a:p>
+          <a:p>
+            <a:pPr rtl="0" fontAlgn="base">
+              <a:spcBef>
+                <a:spcPts val="0"/>
+              </a:spcBef>
+              <a:spcAft>
+                <a:spcPts val="0"/>
+              </a:spcAft>
+              <a:buFont typeface="Arial" panose="020B0604020202020204" pitchFamily="34" charset="0"/>
+              <a:buChar char="•"/>
+            </a:pPr>
+            <a:r>
+              <a:rPr lang="en-US" sz="4000" dirty="0">
+                <a:latin typeface="+mj-lt"/>
+              </a:rPr>
+              <a:t>Collision handling</a:t>
+            </a:r>
+          </a:p>
+          <a:p>
+            <a:pPr lvl="1" fontAlgn="base">
+              <a:spcBef>
+                <a:spcPts val="0"/>
+              </a:spcBef>
+              <a:buFont typeface="Arial" panose="020B0604020202020204" pitchFamily="34" charset="0"/>
+              <a:buChar char="•"/>
+            </a:pPr>
+            <a:r>
+              <a:rPr lang="en-US" sz="3600" dirty="0">
+                <a:latin typeface="+mj-lt"/>
+              </a:rPr>
+              <a:t>Cannot use type predicated code</a:t>
+            </a:r>
+          </a:p>
+          <a:p>
+            <a:pPr lvl="1" fontAlgn="base">
+              <a:spcBef>
+                <a:spcPts val="0"/>
+              </a:spcBef>
+              <a:buFont typeface="Arial" panose="020B0604020202020204" pitchFamily="34" charset="0"/>
+              <a:buChar char="•"/>
+            </a:pPr>
+            <a:endParaRPr lang="en-US" sz="3600" dirty="0">
+              <a:latin typeface="+mj-lt"/>
+            </a:endParaRPr>
+          </a:p>
+          <a:p>
+            <a:pPr fontAlgn="base">
+              <a:spcBef>
+                <a:spcPts val="0"/>
+              </a:spcBef>
+            </a:pPr>
+            <a:r>
+              <a:rPr lang="en-US" sz="4000" dirty="0">
+                <a:latin typeface="+mj-lt"/>
+              </a:rPr>
+              <a:t>Preparation:</a:t>
+            </a:r>
+          </a:p>
+          <a:p>
+            <a:pPr lvl="1" fontAlgn="base">
+              <a:spcBef>
+                <a:spcPts val="0"/>
+              </a:spcBef>
+            </a:pPr>
+            <a:r>
+              <a:rPr lang="en-US" sz="3600" dirty="0">
+                <a:latin typeface="+mj-lt"/>
+              </a:rPr>
+              <a:t>Practice exams</a:t>
+            </a:r>
+          </a:p>
+          <a:p>
+            <a:pPr lvl="1" fontAlgn="base">
+              <a:spcBef>
+                <a:spcPts val="0"/>
+              </a:spcBef>
+            </a:pPr>
+            <a:r>
+              <a:rPr lang="en-US" sz="3600" dirty="0">
+                <a:latin typeface="+mj-lt"/>
+              </a:rPr>
+              <a:t>Raindrop code (</a:t>
+            </a:r>
+            <a:r>
+              <a:rPr lang="en-US" sz="3600" dirty="0" err="1">
+                <a:latin typeface="+mj-lt"/>
+              </a:rPr>
+              <a:t>InheritanceDesign</a:t>
+            </a:r>
+            <a:r>
+              <a:rPr lang="en-US" sz="3600" dirty="0">
+                <a:latin typeface="+mj-lt"/>
+              </a:rPr>
+              <a:t>)</a:t>
+            </a:r>
+          </a:p>
+        </p:txBody>
+      </p:sp>
+    </p:spTree>
+    <p:extLst>
+      <p:ext uri="{BB962C8B-B14F-4D97-AF65-F5344CB8AC3E}">
+        <p14:creationId xmlns:p14="http://schemas.microsoft.com/office/powerpoint/2010/main" val="4071921695"/>
+      </p:ext>
+    </p:extLst>
+  </p:cSld>
+  <p:clrMapOvr>
+    <a:masterClrMapping/>
+  </p:clrMapOvr>
+</p:sld>
+</file>
+
+<file path=ppt/slides/slide13.xml><?xml version="1.0" encoding="utf-8"?>
+<p:sld xmlns:a="http://schemas.openxmlformats.org/drawingml/2006/main" xmlns:r="http://schemas.openxmlformats.org/officeDocument/2006/relationships" xmlns:p="http://schemas.openxmlformats.org/presentationml/2006/main">
+  <p:cSld>
+    <p:spTree>
+      <p:nvGrpSpPr>
+        <p:cNvPr id="1" name=""/>
+        <p:cNvGrpSpPr/>
+        <p:nvPr/>
+      </p:nvGrpSpPr>
+      <p:grpSpPr>
+        <a:xfrm>
+          <a:off x="0" y="0"/>
+          <a:ext cx="0" cy="0"/>
+          <a:chOff x="0" y="0"/>
+          <a:chExt cx="0" cy="0"/>
+        </a:xfrm>
+      </p:grpSpPr>
+      <p:sp>
+        <p:nvSpPr>
+          <p:cNvPr id="2" name="Title 1">
+            <a:extLst>
+              <a:ext uri="{FF2B5EF4-FFF2-40B4-BE49-F238E27FC236}">
+                <a16:creationId xmlns:a16="http://schemas.microsoft.com/office/drawing/2014/main" id="{A99D4E72-2CF7-2C9A-444F-E6F7509E65C2}"/>
+              </a:ext>
+            </a:extLst>
+          </p:cNvPr>
+          <p:cNvSpPr>
+            <a:spLocks noGrp="1"/>
+          </p:cNvSpPr>
+          <p:nvPr>
+            <p:ph type="title"/>
+          </p:nvPr>
+        </p:nvSpPr>
+        <p:spPr/>
+        <p:txBody>
+          <a:bodyPr>
+            <a:normAutofit/>
+          </a:bodyPr>
+          <a:lstStyle/>
+          <a:p>
+            <a:r>
+              <a:rPr lang="en-US" sz="4400" b="1" i="0" u="none" strike="noStrike" dirty="0">
+                <a:solidFill>
+                  <a:srgbClr val="000000"/>
+                </a:solidFill>
+                <a:effectLst/>
+                <a:latin typeface="Times New Roman" panose="02020603050405020304" pitchFamily="18" charset="0"/>
+              </a:rPr>
+              <a:t>Written Part (In-Class)</a:t>
+            </a:r>
+            <a:endParaRPr lang="en-US" dirty="0"/>
+          </a:p>
+        </p:txBody>
+      </p:sp>
+      <p:sp>
+        <p:nvSpPr>
+          <p:cNvPr id="3" name="Content Placeholder 2">
+            <a:extLst>
+              <a:ext uri="{FF2B5EF4-FFF2-40B4-BE49-F238E27FC236}">
+                <a16:creationId xmlns:a16="http://schemas.microsoft.com/office/drawing/2014/main" id="{404F99C5-1D71-DF3A-E12F-E976346DF81F}"/>
+              </a:ext>
+            </a:extLst>
+          </p:cNvPr>
+          <p:cNvSpPr>
+            <a:spLocks noGrp="1"/>
+          </p:cNvSpPr>
+          <p:nvPr>
+            <p:ph idx="1"/>
+          </p:nvPr>
+        </p:nvSpPr>
+        <p:spPr/>
+        <p:txBody>
+          <a:bodyPr>
+            <a:normAutofit/>
+          </a:bodyPr>
+          <a:lstStyle/>
+          <a:p>
+            <a:pPr rtl="0" fontAlgn="base">
+              <a:spcBef>
+                <a:spcPts val="0"/>
+              </a:spcBef>
+              <a:spcAft>
+                <a:spcPts val="0"/>
+              </a:spcAft>
+              <a:buFont typeface="Arial" panose="020B0604020202020204" pitchFamily="34" charset="0"/>
+              <a:buChar char="•"/>
+            </a:pPr>
+            <a:r>
+              <a:rPr lang="en-US" sz="2000" b="0" i="0" u="none" strike="noStrike" dirty="0">
+                <a:solidFill>
+                  <a:srgbClr val="000000"/>
+                </a:solidFill>
+                <a:effectLst/>
+                <a:latin typeface="Times New Roman" panose="02020603050405020304" pitchFamily="18" charset="0"/>
+              </a:rPr>
+              <a:t>Questions on sorting algorithms (</a:t>
+            </a:r>
+            <a:r>
+              <a:rPr lang="en-US" sz="2000" b="0" i="1" u="none" strike="noStrike" dirty="0" err="1">
+                <a:solidFill>
+                  <a:srgbClr val="000000"/>
+                </a:solidFill>
+                <a:effectLst/>
+                <a:latin typeface="Times New Roman" panose="02020603050405020304" pitchFamily="18" charset="0"/>
+              </a:rPr>
+              <a:t>insertionSort</a:t>
+            </a:r>
+            <a:r>
+              <a:rPr lang="en-US" sz="2000" b="0" i="0" u="none" strike="noStrike" dirty="0">
+                <a:solidFill>
+                  <a:srgbClr val="000000"/>
+                </a:solidFill>
+                <a:effectLst/>
+                <a:latin typeface="Times New Roman" panose="02020603050405020304" pitchFamily="18" charset="0"/>
+              </a:rPr>
+              <a:t>, </a:t>
+            </a:r>
+            <a:r>
+              <a:rPr lang="en-US" sz="2000" b="0" i="1" u="none" strike="noStrike" dirty="0" err="1">
+                <a:solidFill>
+                  <a:srgbClr val="000000"/>
+                </a:solidFill>
+                <a:effectLst/>
+                <a:latin typeface="Times New Roman" panose="02020603050405020304" pitchFamily="18" charset="0"/>
+              </a:rPr>
+              <a:t>selectionSort</a:t>
+            </a:r>
+            <a:r>
+              <a:rPr lang="en-US" sz="2000" b="0" i="0" u="none" strike="noStrike" dirty="0">
+                <a:solidFill>
+                  <a:srgbClr val="000000"/>
+                </a:solidFill>
+                <a:effectLst/>
+                <a:latin typeface="Times New Roman" panose="02020603050405020304" pitchFamily="18" charset="0"/>
+              </a:rPr>
+              <a:t>, </a:t>
+            </a:r>
+            <a:r>
+              <a:rPr lang="en-US" sz="2000" b="0" i="1" u="none" strike="noStrike" dirty="0" err="1">
+                <a:solidFill>
+                  <a:srgbClr val="000000"/>
+                </a:solidFill>
+                <a:effectLst/>
+                <a:latin typeface="Times New Roman" panose="02020603050405020304" pitchFamily="18" charset="0"/>
+              </a:rPr>
+              <a:t>mergeSort</a:t>
+            </a:r>
+            <a:r>
+              <a:rPr lang="en-US" sz="2000" b="0" i="0" u="none" strike="noStrike" dirty="0">
+                <a:solidFill>
+                  <a:srgbClr val="000000"/>
+                </a:solidFill>
+                <a:effectLst/>
+                <a:latin typeface="Times New Roman" panose="02020603050405020304" pitchFamily="18" charset="0"/>
+              </a:rPr>
+              <a:t>)</a:t>
+            </a:r>
+          </a:p>
+          <a:p>
+            <a:pPr rtl="0" fontAlgn="base">
+              <a:spcBef>
+                <a:spcPts val="0"/>
+              </a:spcBef>
+              <a:spcAft>
+                <a:spcPts val="0"/>
+              </a:spcAft>
+              <a:buFont typeface="Arial" panose="020B0604020202020204" pitchFamily="34" charset="0"/>
+              <a:buChar char="•"/>
+            </a:pPr>
+            <a:r>
+              <a:rPr lang="en-US" sz="2000" b="0" i="0" u="none" strike="noStrike" dirty="0">
+                <a:solidFill>
+                  <a:srgbClr val="000000"/>
+                </a:solidFill>
+                <a:effectLst/>
+                <a:latin typeface="Times New Roman" panose="02020603050405020304" pitchFamily="18" charset="0"/>
+              </a:rPr>
+              <a:t>Big-O questions about</a:t>
+            </a:r>
+          </a:p>
+          <a:p>
+            <a:pPr marL="742950" lvl="1" indent="-285750" rtl="0" fontAlgn="base">
+              <a:spcBef>
+                <a:spcPts val="0"/>
+              </a:spcBef>
+              <a:spcAft>
+                <a:spcPts val="0"/>
+              </a:spcAft>
+              <a:buFont typeface="Arial" panose="020B0604020202020204" pitchFamily="34" charset="0"/>
+              <a:buChar char="•"/>
+            </a:pPr>
+            <a:r>
+              <a:rPr lang="en-US" sz="2000" b="0" i="0" u="none" strike="noStrike" dirty="0">
+                <a:solidFill>
+                  <a:srgbClr val="000000"/>
+                </a:solidFill>
+                <a:effectLst/>
+                <a:latin typeface="Times New Roman" panose="02020603050405020304" pitchFamily="18" charset="0"/>
+              </a:rPr>
+              <a:t>operations that sort</a:t>
+            </a:r>
+          </a:p>
+          <a:p>
+            <a:pPr marL="742950" lvl="1" indent="-285750" rtl="0" fontAlgn="base">
+              <a:spcBef>
+                <a:spcPts val="0"/>
+              </a:spcBef>
+              <a:spcAft>
+                <a:spcPts val="0"/>
+              </a:spcAft>
+              <a:buFont typeface="Arial" panose="020B0604020202020204" pitchFamily="34" charset="0"/>
+              <a:buChar char="•"/>
+            </a:pPr>
+            <a:r>
+              <a:rPr lang="en-US" sz="2000" b="0" i="0" u="none" strike="noStrike" dirty="0">
+                <a:solidFill>
+                  <a:srgbClr val="000000"/>
+                </a:solidFill>
+                <a:effectLst/>
+                <a:latin typeface="Times New Roman" panose="02020603050405020304" pitchFamily="18" charset="0"/>
+              </a:rPr>
+              <a:t>operations that work on various data structures (e.g., </a:t>
+            </a:r>
+            <a:r>
+              <a:rPr lang="en-US" sz="2000" b="0" i="0" u="none" strike="noStrike" dirty="0" err="1">
+                <a:solidFill>
+                  <a:srgbClr val="000000"/>
+                </a:solidFill>
+                <a:effectLst/>
+                <a:latin typeface="Times New Roman" panose="02020603050405020304" pitchFamily="18" charset="0"/>
+              </a:rPr>
+              <a:t>ArrayList</a:t>
+            </a:r>
+            <a:r>
+              <a:rPr lang="en-US" sz="2000" b="0" i="0" u="none" strike="noStrike" dirty="0">
+                <a:solidFill>
+                  <a:srgbClr val="000000"/>
+                </a:solidFill>
+                <a:effectLst/>
+                <a:latin typeface="Times New Roman" panose="02020603050405020304" pitchFamily="18" charset="0"/>
+              </a:rPr>
+              <a:t>)</a:t>
+            </a:r>
+          </a:p>
+          <a:p>
+            <a:pPr marL="742950" lvl="1" indent="-285750" rtl="0" fontAlgn="base">
+              <a:spcBef>
+                <a:spcPts val="0"/>
+              </a:spcBef>
+              <a:spcAft>
+                <a:spcPts val="0"/>
+              </a:spcAft>
+              <a:buFont typeface="Arial" panose="020B0604020202020204" pitchFamily="34" charset="0"/>
+              <a:buChar char="•"/>
+            </a:pPr>
+            <a:r>
+              <a:rPr lang="en-US" sz="2000" b="0" i="0" u="none" strike="noStrike" dirty="0">
+                <a:solidFill>
+                  <a:srgbClr val="000000"/>
+                </a:solidFill>
+                <a:effectLst/>
+                <a:latin typeface="Times New Roman" panose="02020603050405020304" pitchFamily="18" charset="0"/>
+              </a:rPr>
+              <a:t>small snippets of code with for-loops</a:t>
+            </a:r>
+          </a:p>
+          <a:p>
+            <a:pPr rtl="0" fontAlgn="base">
+              <a:spcBef>
+                <a:spcPts val="0"/>
+              </a:spcBef>
+              <a:spcAft>
+                <a:spcPts val="0"/>
+              </a:spcAft>
+              <a:buFont typeface="Arial" panose="020B0604020202020204" pitchFamily="34" charset="0"/>
+              <a:buChar char="•"/>
+            </a:pPr>
+            <a:r>
+              <a:rPr lang="en-US" sz="2000" b="0" i="0" u="none" strike="noStrike" dirty="0">
+                <a:solidFill>
+                  <a:srgbClr val="000000"/>
+                </a:solidFill>
+                <a:effectLst/>
+                <a:latin typeface="Times New Roman" panose="02020603050405020304" pitchFamily="18" charset="0"/>
+              </a:rPr>
+              <a:t>Design Question – Solution A, Solution B, etc.</a:t>
+            </a:r>
+          </a:p>
+          <a:p>
+            <a:pPr rtl="0" fontAlgn="base">
+              <a:spcBef>
+                <a:spcPts val="0"/>
+              </a:spcBef>
+              <a:spcAft>
+                <a:spcPts val="0"/>
+              </a:spcAft>
+              <a:buFont typeface="Arial" panose="020B0604020202020204" pitchFamily="34" charset="0"/>
+              <a:buChar char="•"/>
+            </a:pPr>
+            <a:r>
+              <a:rPr lang="en-US" sz="2000" b="0" i="0" u="none" strike="noStrike" dirty="0">
+                <a:solidFill>
+                  <a:srgbClr val="000000"/>
+                </a:solidFill>
+                <a:effectLst/>
+                <a:latin typeface="Times New Roman" panose="02020603050405020304" pitchFamily="18" charset="0"/>
+              </a:rPr>
+              <a:t>Inheritance and Polymorphism</a:t>
+            </a:r>
+          </a:p>
+          <a:p>
+            <a:pPr marL="742950" lvl="1" indent="-285750" rtl="0" fontAlgn="base">
+              <a:spcBef>
+                <a:spcPts val="0"/>
+              </a:spcBef>
+              <a:spcAft>
+                <a:spcPts val="0"/>
+              </a:spcAft>
+              <a:buFont typeface="Arial" panose="020B0604020202020204" pitchFamily="34" charset="0"/>
+              <a:buChar char="•"/>
+            </a:pPr>
+            <a:r>
+              <a:rPr lang="en-US" sz="2000" b="0" i="0" u="none" strike="noStrike" dirty="0">
+                <a:solidFill>
+                  <a:srgbClr val="000000"/>
+                </a:solidFill>
+                <a:effectLst/>
+                <a:latin typeface="Times New Roman" panose="02020603050405020304" pitchFamily="18" charset="0"/>
+              </a:rPr>
+              <a:t>diagram the inheritance hierarchy</a:t>
+            </a:r>
+          </a:p>
+          <a:p>
+            <a:pPr marL="742950" lvl="1" indent="-285750" rtl="0" fontAlgn="base">
+              <a:spcBef>
+                <a:spcPts val="0"/>
+              </a:spcBef>
+              <a:spcAft>
+                <a:spcPts val="0"/>
+              </a:spcAft>
+              <a:buFont typeface="Arial" panose="020B0604020202020204" pitchFamily="34" charset="0"/>
+              <a:buChar char="•"/>
+            </a:pPr>
+            <a:r>
+              <a:rPr lang="en-US" sz="2000" b="0" i="0" u="none" strike="noStrike" dirty="0">
+                <a:solidFill>
+                  <a:srgbClr val="000000"/>
+                </a:solidFill>
+                <a:effectLst/>
+                <a:latin typeface="Times New Roman" panose="02020603050405020304" pitchFamily="18" charset="0"/>
+              </a:rPr>
+              <a:t>determine if an operation call (or a declaration) compiles/runs/outputs</a:t>
+            </a:r>
+            <a:endParaRPr lang="en-US" sz="5400" b="0" i="0" u="none" strike="noStrike" dirty="0">
+              <a:solidFill>
+                <a:srgbClr val="000000"/>
+              </a:solidFill>
+              <a:effectLst/>
+              <a:latin typeface="Times New Roman" panose="02020603050405020304" pitchFamily="18" charset="0"/>
+            </a:endParaRPr>
+          </a:p>
+          <a:p>
+            <a:pPr indent="-285750" fontAlgn="base">
+              <a:spcBef>
+                <a:spcPts val="0"/>
+              </a:spcBef>
+            </a:pPr>
+            <a:endParaRPr lang="en-US" sz="2400" dirty="0">
+              <a:solidFill>
+                <a:srgbClr val="000000"/>
+              </a:solidFill>
+              <a:latin typeface="Times New Roman" panose="02020603050405020304" pitchFamily="18" charset="0"/>
+            </a:endParaRPr>
+          </a:p>
+          <a:p>
+            <a:pPr indent="-285750" fontAlgn="base">
+              <a:spcBef>
+                <a:spcPts val="0"/>
+              </a:spcBef>
+            </a:pPr>
+            <a:r>
+              <a:rPr lang="en-US" sz="2400" dirty="0">
+                <a:solidFill>
+                  <a:srgbClr val="000000"/>
+                </a:solidFill>
+                <a:latin typeface="Times New Roman" panose="02020603050405020304" pitchFamily="18" charset="0"/>
+              </a:rPr>
+              <a:t>Preparation</a:t>
+            </a:r>
+          </a:p>
+          <a:p>
+            <a:pPr lvl="1" fontAlgn="base">
+              <a:spcBef>
+                <a:spcPts val="0"/>
+              </a:spcBef>
+            </a:pPr>
+            <a:r>
+              <a:rPr lang="en-US" sz="2000" b="0" i="0" u="none" strike="noStrike" dirty="0">
+                <a:solidFill>
+                  <a:srgbClr val="000000"/>
+                </a:solidFill>
+                <a:effectLst/>
+                <a:latin typeface="Times New Roman" panose="02020603050405020304" pitchFamily="18" charset="0"/>
+              </a:rPr>
+              <a:t>Practice exams </a:t>
+            </a:r>
+            <a:r>
+              <a:rPr lang="en-US" sz="2000" b="1" i="0" u="sng" strike="noStrike" dirty="0">
+                <a:solidFill>
+                  <a:srgbClr val="000000"/>
+                </a:solidFill>
+                <a:effectLst/>
+                <a:latin typeface="Times New Roman" panose="02020603050405020304" pitchFamily="18" charset="0"/>
+              </a:rPr>
+              <a:t>(do practice exam sorting algorithms!)</a:t>
+            </a:r>
+          </a:p>
+          <a:p>
+            <a:pPr lvl="1" fontAlgn="base">
+              <a:spcBef>
+                <a:spcPts val="0"/>
+              </a:spcBef>
+            </a:pPr>
+            <a:r>
+              <a:rPr lang="en-US" sz="2000" dirty="0">
+                <a:solidFill>
+                  <a:srgbClr val="000000"/>
+                </a:solidFill>
+                <a:latin typeface="Times New Roman" panose="02020603050405020304" pitchFamily="18" charset="0"/>
+              </a:rPr>
+              <a:t>Quizzes</a:t>
+            </a:r>
+            <a:endParaRPr lang="en-US" sz="2000" b="0" i="0" u="none" strike="noStrike" dirty="0">
+              <a:solidFill>
+                <a:srgbClr val="000000"/>
+              </a:solidFill>
+              <a:effectLst/>
+              <a:latin typeface="Times New Roman" panose="02020603050405020304" pitchFamily="18" charset="0"/>
+            </a:endParaRPr>
+          </a:p>
+        </p:txBody>
+      </p:sp>
+    </p:spTree>
+    <p:extLst>
+      <p:ext uri="{BB962C8B-B14F-4D97-AF65-F5344CB8AC3E}">
+        <p14:creationId xmlns:p14="http://schemas.microsoft.com/office/powerpoint/2010/main" val="3090317874"/>
+      </p:ext>
+    </p:extLst>
+  </p:cSld>
+  <p:clrMapOvr>
+    <a:masterClrMapping/>
+  </p:clrMapOvr>
+</p:sld>
+</file>
+
+<file path=ppt/slides/slide14.xml><?xml version="1.0" encoding="utf-8"?>
+<p:sld xmlns:a="http://schemas.openxmlformats.org/drawingml/2006/main" xmlns:r="http://schemas.openxmlformats.org/officeDocument/2006/relationships" xmlns:p="http://schemas.openxmlformats.org/presentationml/2006/main">
+  <p:cSld>
+    <p:spTree>
+      <p:nvGrpSpPr>
+        <p:cNvPr id="1" name=""/>
+        <p:cNvGrpSpPr/>
+        <p:nvPr/>
+      </p:nvGrpSpPr>
+      <p:grpSpPr>
+        <a:xfrm>
+          <a:off x="0" y="0"/>
+          <a:ext cx="0" cy="0"/>
+          <a:chOff x="0" y="0"/>
+          <a:chExt cx="0" cy="0"/>
+        </a:xfrm>
+      </p:grpSpPr>
+      <p:sp>
+        <p:nvSpPr>
+          <p:cNvPr id="2" name="Title 1">
+            <a:extLst>
+              <a:ext uri="{FF2B5EF4-FFF2-40B4-BE49-F238E27FC236}">
+                <a16:creationId xmlns:a16="http://schemas.microsoft.com/office/drawing/2014/main" id="{B68E39AC-AC51-449A-681A-CF8B85340A36}"/>
+              </a:ext>
+            </a:extLst>
+          </p:cNvPr>
+          <p:cNvSpPr>
+            <a:spLocks noGrp="1"/>
+          </p:cNvSpPr>
+          <p:nvPr>
+            <p:ph type="title"/>
+          </p:nvPr>
+        </p:nvSpPr>
+        <p:spPr/>
+        <p:txBody>
+          <a:bodyPr>
+            <a:normAutofit/>
+          </a:bodyPr>
+          <a:lstStyle/>
+          <a:p>
+            <a:r>
+              <a:rPr lang="en-US" sz="4400" b="1" i="0" u="none" strike="noStrike" dirty="0">
+                <a:solidFill>
+                  <a:srgbClr val="000000"/>
+                </a:solidFill>
+                <a:effectLst/>
+                <a:latin typeface="Times New Roman" panose="02020603050405020304" pitchFamily="18" charset="0"/>
+              </a:rPr>
+              <a:t>Computing Part (In-Class)</a:t>
+            </a:r>
+            <a:endParaRPr lang="en-US" dirty="0"/>
+          </a:p>
+        </p:txBody>
+      </p:sp>
+      <p:sp>
+        <p:nvSpPr>
+          <p:cNvPr id="3" name="Content Placeholder 2">
+            <a:extLst>
+              <a:ext uri="{FF2B5EF4-FFF2-40B4-BE49-F238E27FC236}">
+                <a16:creationId xmlns:a16="http://schemas.microsoft.com/office/drawing/2014/main" id="{AA251AD2-5F44-F27A-DE54-045678E1CF7F}"/>
+              </a:ext>
+            </a:extLst>
+          </p:cNvPr>
+          <p:cNvSpPr>
+            <a:spLocks noGrp="1"/>
+          </p:cNvSpPr>
+          <p:nvPr>
+            <p:ph idx="1"/>
+          </p:nvPr>
+        </p:nvSpPr>
+        <p:spPr/>
+        <p:txBody>
+          <a:bodyPr>
+            <a:normAutofit fontScale="92500" lnSpcReduction="10000"/>
+          </a:bodyPr>
+          <a:lstStyle/>
+          <a:p>
+            <a:pPr rtl="0" fontAlgn="base">
+              <a:spcBef>
+                <a:spcPts val="0"/>
+              </a:spcBef>
+              <a:spcAft>
+                <a:spcPts val="0"/>
+              </a:spcAft>
+              <a:buFont typeface="Arial" panose="020B0604020202020204" pitchFamily="34" charset="0"/>
+              <a:buChar char="•"/>
+            </a:pPr>
+            <a:r>
+              <a:rPr lang="en-US" sz="2400" b="0" i="0" u="none" strike="noStrike" dirty="0">
+                <a:solidFill>
+                  <a:srgbClr val="000000"/>
+                </a:solidFill>
+                <a:effectLst/>
+                <a:latin typeface="Times New Roman" panose="02020603050405020304" pitchFamily="18" charset="0"/>
+              </a:rPr>
+              <a:t>Refactoring – 1 problem</a:t>
+            </a:r>
+          </a:p>
+          <a:p>
+            <a:pPr rtl="0" fontAlgn="base">
+              <a:spcBef>
+                <a:spcPts val="0"/>
+              </a:spcBef>
+              <a:spcAft>
+                <a:spcPts val="0"/>
+              </a:spcAft>
+              <a:buFont typeface="Arial" panose="020B0604020202020204" pitchFamily="34" charset="0"/>
+              <a:buChar char="•"/>
+            </a:pPr>
+            <a:r>
+              <a:rPr lang="en-US" sz="2400" b="0" i="0" u="none" strike="noStrike" dirty="0">
+                <a:solidFill>
+                  <a:srgbClr val="000000"/>
+                </a:solidFill>
+                <a:effectLst/>
+                <a:latin typeface="Times New Roman" panose="02020603050405020304" pitchFamily="18" charset="0"/>
+              </a:rPr>
+              <a:t>HashMap – 1 problem</a:t>
+            </a:r>
+          </a:p>
+          <a:p>
+            <a:pPr rtl="0" fontAlgn="base">
+              <a:spcBef>
+                <a:spcPts val="0"/>
+              </a:spcBef>
+              <a:spcAft>
+                <a:spcPts val="0"/>
+              </a:spcAft>
+              <a:buFont typeface="Arial" panose="020B0604020202020204" pitchFamily="34" charset="0"/>
+              <a:buChar char="•"/>
+            </a:pPr>
+            <a:r>
+              <a:rPr lang="en-US" sz="2400" b="0" i="0" u="none" strike="noStrike" dirty="0">
+                <a:solidFill>
+                  <a:srgbClr val="000000"/>
+                </a:solidFill>
+                <a:effectLst/>
+                <a:latin typeface="Times New Roman" panose="02020603050405020304" pitchFamily="18" charset="0"/>
+              </a:rPr>
+              <a:t>Recursion – 1 problem</a:t>
+            </a:r>
+          </a:p>
+          <a:p>
+            <a:pPr rtl="0" fontAlgn="base">
+              <a:spcBef>
+                <a:spcPts val="0"/>
+              </a:spcBef>
+              <a:spcAft>
+                <a:spcPts val="0"/>
+              </a:spcAft>
+              <a:buFont typeface="Arial" panose="020B0604020202020204" pitchFamily="34" charset="0"/>
+              <a:buChar char="•"/>
+            </a:pPr>
+            <a:r>
+              <a:rPr lang="en-US" sz="2400" b="0" i="0" u="none" strike="noStrike" dirty="0" err="1">
+                <a:solidFill>
+                  <a:srgbClr val="000000"/>
+                </a:solidFill>
+                <a:effectLst/>
+                <a:latin typeface="Times New Roman" panose="02020603050405020304" pitchFamily="18" charset="0"/>
+              </a:rPr>
+              <a:t>SinglyLinkedList</a:t>
+            </a:r>
+            <a:r>
+              <a:rPr lang="en-US" sz="2400" b="0" i="0" u="none" strike="noStrike" dirty="0">
+                <a:solidFill>
+                  <a:srgbClr val="000000"/>
+                </a:solidFill>
+                <a:effectLst/>
+                <a:latin typeface="Times New Roman" panose="02020603050405020304" pitchFamily="18" charset="0"/>
+              </a:rPr>
+              <a:t> Algorithms</a:t>
+            </a:r>
+            <a:br>
+              <a:rPr lang="en-US" sz="2400" b="0" i="0" u="none" strike="noStrike" dirty="0">
+                <a:solidFill>
+                  <a:srgbClr val="000000"/>
+                </a:solidFill>
+                <a:effectLst/>
+                <a:latin typeface="Times New Roman" panose="02020603050405020304" pitchFamily="18" charset="0"/>
+              </a:rPr>
+            </a:br>
+            <a:r>
+              <a:rPr lang="en-US" sz="2400" b="0" i="0" u="none" strike="noStrike" dirty="0">
+                <a:solidFill>
+                  <a:srgbClr val="000000"/>
+                </a:solidFill>
+                <a:effectLst/>
+                <a:latin typeface="Times New Roman" panose="02020603050405020304" pitchFamily="18" charset="0"/>
+              </a:rPr>
+              <a:t>3 problems drawn from the following types:</a:t>
+            </a:r>
+          </a:p>
+          <a:p>
+            <a:pPr marL="742950" lvl="1" indent="-285750" rtl="0" fontAlgn="base">
+              <a:spcBef>
+                <a:spcPts val="0"/>
+              </a:spcBef>
+              <a:spcAft>
+                <a:spcPts val="0"/>
+              </a:spcAft>
+              <a:buFont typeface="Arial" panose="020B0604020202020204" pitchFamily="34" charset="0"/>
+              <a:buChar char="•"/>
+            </a:pPr>
+            <a:r>
+              <a:rPr lang="en-US" sz="2400" b="0" i="0" u="none" strike="noStrike" dirty="0">
+                <a:solidFill>
+                  <a:srgbClr val="000000"/>
+                </a:solidFill>
+                <a:effectLst/>
+                <a:latin typeface="Times New Roman" panose="02020603050405020304" pitchFamily="18" charset="0"/>
+              </a:rPr>
+              <a:t>Remove an item from an existing list</a:t>
+            </a:r>
+          </a:p>
+          <a:p>
+            <a:pPr marL="742950" lvl="1" indent="-285750" rtl="0" fontAlgn="base">
+              <a:spcBef>
+                <a:spcPts val="0"/>
+              </a:spcBef>
+              <a:spcAft>
+                <a:spcPts val="0"/>
+              </a:spcAft>
+              <a:buFont typeface="Arial" panose="020B0604020202020204" pitchFamily="34" charset="0"/>
+              <a:buChar char="•"/>
+            </a:pPr>
+            <a:r>
+              <a:rPr lang="en-US" sz="2400" b="0" i="0" u="none" strike="noStrike" dirty="0">
+                <a:solidFill>
+                  <a:srgbClr val="000000"/>
+                </a:solidFill>
+                <a:effectLst/>
+                <a:latin typeface="Times New Roman" panose="02020603050405020304" pitchFamily="18" charset="0"/>
+              </a:rPr>
+              <a:t>Insert into a list</a:t>
+            </a:r>
+          </a:p>
+          <a:p>
+            <a:pPr marL="742950" lvl="1" indent="-285750" rtl="0" fontAlgn="base">
+              <a:spcBef>
+                <a:spcPts val="0"/>
+              </a:spcBef>
+              <a:spcAft>
+                <a:spcPts val="0"/>
+              </a:spcAft>
+              <a:buFont typeface="Arial" panose="020B0604020202020204" pitchFamily="34" charset="0"/>
+              <a:buChar char="•"/>
+            </a:pPr>
+            <a:r>
+              <a:rPr lang="en-US" sz="2400" b="0" i="0" u="none" strike="noStrike" dirty="0">
+                <a:solidFill>
+                  <a:srgbClr val="000000"/>
+                </a:solidFill>
+                <a:effectLst/>
+                <a:latin typeface="Times New Roman" panose="02020603050405020304" pitchFamily="18" charset="0"/>
+              </a:rPr>
+              <a:t>Traverse an existing list and do something with the values</a:t>
+            </a:r>
+          </a:p>
+          <a:p>
+            <a:pPr marL="742950" lvl="1" indent="-285750" rtl="0" fontAlgn="base">
+              <a:spcBef>
+                <a:spcPts val="0"/>
+              </a:spcBef>
+              <a:spcAft>
+                <a:spcPts val="0"/>
+              </a:spcAft>
+              <a:buFont typeface="Arial" panose="020B0604020202020204" pitchFamily="34" charset="0"/>
+              <a:buChar char="•"/>
+            </a:pPr>
+            <a:r>
+              <a:rPr lang="en-US" sz="2400" b="0" i="0" u="none" strike="noStrike" dirty="0">
+                <a:solidFill>
+                  <a:srgbClr val="000000"/>
+                </a:solidFill>
+                <a:effectLst/>
+                <a:latin typeface="Times New Roman" panose="02020603050405020304" pitchFamily="18" charset="0"/>
+              </a:rPr>
+              <a:t>Reorganize the list by move 1 (or more) nodes</a:t>
+            </a:r>
+          </a:p>
+          <a:p>
+            <a:pPr indent="-285750" fontAlgn="base">
+              <a:spcBef>
+                <a:spcPts val="0"/>
+              </a:spcBef>
+            </a:pPr>
+            <a:endParaRPr lang="en-US" sz="2800" dirty="0">
+              <a:solidFill>
+                <a:srgbClr val="000000"/>
+              </a:solidFill>
+              <a:latin typeface="Times New Roman" panose="02020603050405020304" pitchFamily="18" charset="0"/>
+            </a:endParaRPr>
+          </a:p>
+          <a:p>
+            <a:pPr indent="-285750" fontAlgn="base">
+              <a:spcBef>
+                <a:spcPts val="0"/>
+              </a:spcBef>
+            </a:pPr>
+            <a:r>
+              <a:rPr lang="en-US" sz="2800" dirty="0">
+                <a:solidFill>
+                  <a:srgbClr val="000000"/>
+                </a:solidFill>
+                <a:latin typeface="Times New Roman" panose="02020603050405020304" pitchFamily="18" charset="0"/>
+              </a:rPr>
+              <a:t>Preparation</a:t>
+            </a:r>
+            <a:endParaRPr lang="en-US" sz="6000" dirty="0">
+              <a:solidFill>
+                <a:srgbClr val="000000"/>
+              </a:solidFill>
+              <a:latin typeface="Times New Roman" panose="02020603050405020304" pitchFamily="18" charset="0"/>
+            </a:endParaRPr>
+          </a:p>
+          <a:p>
+            <a:pPr lvl="1" fontAlgn="base">
+              <a:spcBef>
+                <a:spcPts val="0"/>
+              </a:spcBef>
+            </a:pPr>
+            <a:r>
+              <a:rPr lang="en-US" sz="2400" dirty="0">
+                <a:solidFill>
+                  <a:srgbClr val="000000"/>
+                </a:solidFill>
+                <a:latin typeface="Times New Roman" panose="02020603050405020304" pitchFamily="18" charset="0"/>
+              </a:rPr>
+              <a:t>Practice Exams</a:t>
+            </a:r>
+          </a:p>
+          <a:p>
+            <a:pPr lvl="1" fontAlgn="base">
+              <a:spcBef>
+                <a:spcPts val="0"/>
+              </a:spcBef>
+            </a:pPr>
+            <a:r>
+              <a:rPr lang="en-US" sz="2400" dirty="0">
+                <a:solidFill>
+                  <a:srgbClr val="000000"/>
+                </a:solidFill>
+                <a:latin typeface="Times New Roman" panose="02020603050405020304" pitchFamily="18" charset="0"/>
+              </a:rPr>
+              <a:t>LinkedList Homework and In-Class exercises</a:t>
+            </a:r>
+          </a:p>
+          <a:p>
+            <a:pPr lvl="1" fontAlgn="base">
+              <a:spcBef>
+                <a:spcPts val="0"/>
+              </a:spcBef>
+            </a:pPr>
+            <a:r>
+              <a:rPr lang="en-US" sz="2400" dirty="0">
+                <a:solidFill>
+                  <a:srgbClr val="000000"/>
+                </a:solidFill>
+                <a:latin typeface="Times New Roman" panose="02020603050405020304" pitchFamily="18" charset="0"/>
+              </a:rPr>
+              <a:t>Recursion (coding bat for extra practice)</a:t>
+            </a:r>
+          </a:p>
+        </p:txBody>
+      </p:sp>
+    </p:spTree>
+    <p:extLst>
+      <p:ext uri="{BB962C8B-B14F-4D97-AF65-F5344CB8AC3E}">
+        <p14:creationId xmlns:p14="http://schemas.microsoft.com/office/powerpoint/2010/main" val="2830151678"/>
+      </p:ext>
+    </p:extLst>
+  </p:cSld>
+  <p:clrMapOvr>
+    <a:masterClrMapping/>
+  </p:clrMapOvr>
+</p:sld>
+</file>
+
 <file path=ppt/slides/slide2.xml><?xml version="1.0" encoding="utf-8"?>
 <p:sld xmlns:a="http://schemas.openxmlformats.org/drawingml/2006/main" xmlns:r="http://schemas.openxmlformats.org/officeDocument/2006/relationships" xmlns:p="http://schemas.openxmlformats.org/presentationml/2006/main">
   <p:cSld>
@@ -8368,6 +9921,104 @@
     <p:extLst>
       <p:ext uri="{BB962C8B-B14F-4D97-AF65-F5344CB8AC3E}">
         <p14:creationId xmlns:p14="http://schemas.microsoft.com/office/powerpoint/2010/main" val="192831339"/>
+      </p:ext>
+    </p:extLst>
+  </p:cSld>
+  <p:clrMapOvr>
+    <a:masterClrMapping/>
+  </p:clrMapOvr>
+</p:sld>
+</file>
+
+<file path=ppt/slides/slide9.xml><?xml version="1.0" encoding="utf-8"?>
+<p:sld xmlns:a="http://schemas.openxmlformats.org/drawingml/2006/main" xmlns:r="http://schemas.openxmlformats.org/officeDocument/2006/relationships" xmlns:p="http://schemas.openxmlformats.org/presentationml/2006/main">
+  <p:cSld>
+    <p:spTree>
+      <p:nvGrpSpPr>
+        <p:cNvPr id="1" name=""/>
+        <p:cNvGrpSpPr/>
+        <p:nvPr/>
+      </p:nvGrpSpPr>
+      <p:grpSpPr>
+        <a:xfrm>
+          <a:off x="0" y="0"/>
+          <a:ext cx="0" cy="0"/>
+          <a:chOff x="0" y="0"/>
+          <a:chExt cx="0" cy="0"/>
+        </a:xfrm>
+      </p:grpSpPr>
+      <p:sp>
+        <p:nvSpPr>
+          <p:cNvPr id="2" name="Title 1">
+            <a:extLst>
+              <a:ext uri="{FF2B5EF4-FFF2-40B4-BE49-F238E27FC236}">
+                <a16:creationId xmlns:a16="http://schemas.microsoft.com/office/drawing/2014/main" id="{134E3ECB-2282-0CD0-6872-3D714B5C4F18}"/>
+              </a:ext>
+            </a:extLst>
+          </p:cNvPr>
+          <p:cNvSpPr>
+            <a:spLocks noGrp="1"/>
+          </p:cNvSpPr>
+          <p:nvPr>
+            <p:ph type="title"/>
+          </p:nvPr>
+        </p:nvSpPr>
+        <p:spPr/>
+        <p:txBody>
+          <a:bodyPr/>
+          <a:lstStyle/>
+          <a:p>
+            <a:r>
+              <a:rPr lang="en-US" dirty="0"/>
+              <a:t>Course Evals</a:t>
+            </a:r>
+          </a:p>
+        </p:txBody>
+      </p:sp>
+      <p:sp>
+        <p:nvSpPr>
+          <p:cNvPr id="3" name="Content Placeholder 2">
+            <a:extLst>
+              <a:ext uri="{FF2B5EF4-FFF2-40B4-BE49-F238E27FC236}">
+                <a16:creationId xmlns:a16="http://schemas.microsoft.com/office/drawing/2014/main" id="{350D4819-C274-B91C-F9B9-BBA53B8366B2}"/>
+              </a:ext>
+            </a:extLst>
+          </p:cNvPr>
+          <p:cNvSpPr>
+            <a:spLocks noGrp="1"/>
+          </p:cNvSpPr>
+          <p:nvPr>
+            <p:ph idx="1"/>
+          </p:nvPr>
+        </p:nvSpPr>
+        <p:spPr/>
+        <p:txBody>
+          <a:bodyPr/>
+          <a:lstStyle/>
+          <a:p>
+            <a:r>
+              <a:rPr lang="en-US" dirty="0"/>
+              <a:t>We will give you time to complete these in class NOW</a:t>
+            </a:r>
+          </a:p>
+          <a:p>
+            <a:r>
+              <a:rPr lang="en-US" dirty="0"/>
+              <a:t> I will leave the room and give you time to finish them</a:t>
+            </a:r>
+          </a:p>
+          <a:p>
+            <a:r>
+              <a:rPr lang="en-US" dirty="0"/>
+              <a:t>Someone can message me on Teams when you are all done</a:t>
+            </a:r>
+          </a:p>
+        </p:txBody>
+      </p:sp>
+    </p:spTree>
+    <p:extLst>
+      <p:ext uri="{BB962C8B-B14F-4D97-AF65-F5344CB8AC3E}">
+        <p14:creationId xmlns:p14="http://schemas.microsoft.com/office/powerpoint/2010/main" val="519290676"/>
       </p:ext>
     </p:extLst>
   </p:cSld>
